--- a/PresentationFinalProject.pptx
+++ b/PresentationFinalProject.pptx
@@ -15,14 +15,16 @@
     <p:sldId id="269" r:id="rId9"/>
     <p:sldId id="270" r:id="rId10"/>
     <p:sldId id="271" r:id="rId11"/>
-    <p:sldId id="273" r:id="rId12"/>
-    <p:sldId id="275" r:id="rId13"/>
+    <p:sldId id="275" r:id="rId12"/>
+    <p:sldId id="273" r:id="rId13"/>
     <p:sldId id="274" r:id="rId14"/>
     <p:sldId id="278" r:id="rId15"/>
     <p:sldId id="280" r:id="rId16"/>
     <p:sldId id="283" r:id="rId17"/>
     <p:sldId id="285" r:id="rId18"/>
     <p:sldId id="286" r:id="rId19"/>
+    <p:sldId id="287" r:id="rId20"/>
+    <p:sldId id="288" r:id="rId21"/>
   </p:sldIdLst>
   <p:sldSz cx="12192000" cy="6858000"/>
   <p:notesSz cx="6858000" cy="9144000"/>
@@ -135,6 +137,7 @@
     <p1510:client id="{0DF0F323-4310-B7F1-11AD-BA5797E32B73}" v="6" dt="2021-01-22T17:45:48.905"/>
     <p1510:client id="{11DB2947-3685-4C02-838F-9D801DC9B578}" v="2546" dt="2021-01-20T16:47:45.257"/>
     <p1510:client id="{4845B824-C4A7-163F-6F6F-D605E5C34EEE}" v="76" dt="2021-02-14T08:46:33.867"/>
+    <p1510:client id="{57B3EE48-EBF9-EE14-BFC3-91F99C0EED5D}" v="289" dt="2021-02-17T11:27:05.293"/>
   </p1510:revLst>
 </p1510:revInfo>
 </file>
@@ -540,7 +543,7 @@
           <a:p>
             <a:fld id="{8B4AF60A-713C-41BA-9788-4C493DDC0A9C}" type="datetimeFigureOut">
               <a:rPr lang="en-US" dirty="0"/>
-              <a:t>2/14/2021</a:t>
+              <a:t>2/17/2021</a:t>
             </a:fld>
             <a:endParaRPr lang="en-US" dirty="0"/>
           </a:p>
@@ -718,7 +721,7 @@
           <a:p>
             <a:fld id="{7E5E0FA7-C445-42F7-AF66-A4F5A6FC8A9C}" type="datetimeFigureOut">
               <a:rPr lang="en-US" dirty="0"/>
-              <a:t>2/14/2021</a:t>
+              <a:t>2/17/2021</a:t>
             </a:fld>
             <a:endParaRPr lang="en-US" dirty="0"/>
           </a:p>
@@ -896,7 +899,7 @@
           <a:p>
             <a:fld id="{585AC5C5-1A57-4420-8AFB-CE41693A794B}" type="datetimeFigureOut">
               <a:rPr lang="en-US" dirty="0"/>
-              <a:t>2/14/2021</a:t>
+              <a:t>2/17/2021</a:t>
             </a:fld>
             <a:endParaRPr lang="en-US" dirty="0"/>
           </a:p>
@@ -3304,7 +3307,7 @@
           <a:p>
             <a:fld id="{3C04E684-10F4-4CC3-A0B9-F03AA7BE37CF}" type="datetimeFigureOut">
               <a:rPr lang="en-US" smtClean="0"/>
-              <a:t>2/14/2021</a:t>
+              <a:t>2/17/2021</a:t>
             </a:fld>
             <a:endParaRPr lang="en-US"/>
           </a:p>
@@ -4041,7 +4044,7 @@
           <a:p>
             <a:fld id="{3C04E684-10F4-4CC3-A0B9-F03AA7BE37CF}" type="datetimeFigureOut">
               <a:rPr lang="en-US" smtClean="0"/>
-              <a:t>2/14/2021</a:t>
+              <a:t>2/17/2021</a:t>
             </a:fld>
             <a:endParaRPr lang="en-US"/>
           </a:p>
@@ -4683,7 +4686,7 @@
           <a:p>
             <a:fld id="{3C04E684-10F4-4CC3-A0B9-F03AA7BE37CF}" type="datetimeFigureOut">
               <a:rPr lang="en-US" smtClean="0"/>
-              <a:t>2/14/2021</a:t>
+              <a:t>2/17/2021</a:t>
             </a:fld>
             <a:endParaRPr lang="en-US"/>
           </a:p>
@@ -5483,7 +5486,7 @@
           <a:p>
             <a:fld id="{3C04E684-10F4-4CC3-A0B9-F03AA7BE37CF}" type="datetimeFigureOut">
               <a:rPr lang="en-US" smtClean="0"/>
-              <a:t>2/14/2021</a:t>
+              <a:t>2/17/2021</a:t>
             </a:fld>
             <a:endParaRPr lang="en-US"/>
           </a:p>
@@ -6434,7 +6437,7 @@
           <a:p>
             <a:fld id="{3C04E684-10F4-4CC3-A0B9-F03AA7BE37CF}" type="datetimeFigureOut">
               <a:rPr lang="en-US" smtClean="0"/>
-              <a:t>2/14/2021</a:t>
+              <a:t>2/17/2021</a:t>
             </a:fld>
             <a:endParaRPr lang="en-US"/>
           </a:p>
@@ -8783,7 +8786,7 @@
           <a:p>
             <a:fld id="{3C04E684-10F4-4CC3-A0B9-F03AA7BE37CF}" type="datetimeFigureOut">
               <a:rPr lang="en-US" smtClean="0"/>
-              <a:t>2/14/2021</a:t>
+              <a:t>2/17/2021</a:t>
             </a:fld>
             <a:endParaRPr lang="en-US"/>
           </a:p>
@@ -8896,7 +8899,7 @@
           <a:p>
             <a:fld id="{3C04E684-10F4-4CC3-A0B9-F03AA7BE37CF}" type="datetimeFigureOut">
               <a:rPr lang="en-US" smtClean="0"/>
-              <a:t>2/14/2021</a:t>
+              <a:t>2/17/2021</a:t>
             </a:fld>
             <a:endParaRPr lang="en-US"/>
           </a:p>
@@ -9403,7 +9406,7 @@
           <a:p>
             <a:fld id="{3C04E684-10F4-4CC3-A0B9-F03AA7BE37CF}" type="datetimeFigureOut">
               <a:rPr lang="en-US" smtClean="0"/>
-              <a:t>2/14/2021</a:t>
+              <a:t>2/17/2021</a:t>
             </a:fld>
             <a:endParaRPr lang="en-US"/>
           </a:p>
@@ -9583,7 +9586,7 @@
           <a:p>
             <a:fld id="{8A4C08AF-84E6-4329-8E67-FEA434B47075}" type="datetimeFigureOut">
               <a:rPr lang="en-US" dirty="0"/>
-              <a:t>2/14/2021</a:t>
+              <a:t>2/17/2021</a:t>
             </a:fld>
             <a:endParaRPr lang="en-US" dirty="0"/>
           </a:p>
@@ -10874,7 +10877,7 @@
           <a:p>
             <a:fld id="{3C04E684-10F4-4CC3-A0B9-F03AA7BE37CF}" type="datetimeFigureOut">
               <a:rPr lang="en-US" smtClean="0"/>
-              <a:t>2/14/2021</a:t>
+              <a:t>2/17/2021</a:t>
             </a:fld>
             <a:endParaRPr lang="en-US"/>
           </a:p>
@@ -13368,7 +13371,7 @@
           <a:p>
             <a:fld id="{3C04E684-10F4-4CC3-A0B9-F03AA7BE37CF}" type="datetimeFigureOut">
               <a:rPr lang="en-US" smtClean="0"/>
-              <a:t>2/14/2021</a:t>
+              <a:t>2/17/2021</a:t>
             </a:fld>
             <a:endParaRPr lang="en-US"/>
           </a:p>
@@ -13566,7 +13569,7 @@
           <a:p>
             <a:fld id="{3C04E684-10F4-4CC3-A0B9-F03AA7BE37CF}" type="datetimeFigureOut">
               <a:rPr lang="en-US" smtClean="0"/>
-              <a:t>2/14/2021</a:t>
+              <a:t>2/17/2021</a:t>
             </a:fld>
             <a:endParaRPr lang="en-US"/>
           </a:p>
@@ -13774,7 +13777,7 @@
           <a:p>
             <a:fld id="{3C04E684-10F4-4CC3-A0B9-F03AA7BE37CF}" type="datetimeFigureOut">
               <a:rPr lang="en-US" smtClean="0"/>
-              <a:t>2/14/2021</a:t>
+              <a:t>2/17/2021</a:t>
             </a:fld>
             <a:endParaRPr lang="en-US"/>
           </a:p>
@@ -14098,7 +14101,7 @@
           <a:p>
             <a:fld id="{4F6EE328-6AFF-436B-881F-213D56084544}" type="datetimeFigureOut">
               <a:rPr lang="en-US" dirty="0"/>
-              <a:t>2/14/2021</a:t>
+              <a:t>2/17/2021</a:t>
             </a:fld>
             <a:endParaRPr lang="en-US" dirty="0"/>
           </a:p>
@@ -14482,7 +14485,7 @@
           <a:p>
             <a:fld id="{AE02069A-09EE-4C7C-86A4-2314A404921D}" type="datetimeFigureOut">
               <a:rPr lang="en-US" dirty="0"/>
-              <a:t>2/14/2021</a:t>
+              <a:t>2/17/2021</a:t>
             </a:fld>
             <a:endParaRPr lang="en-US" dirty="0"/>
           </a:p>
@@ -14913,7 +14916,7 @@
           <a:p>
             <a:fld id="{D56EE7F1-171E-411F-96CA-A251A21496E7}" type="datetimeFigureOut">
               <a:rPr lang="en-US" dirty="0"/>
-              <a:t>2/14/2021</a:t>
+              <a:t>2/17/2021</a:t>
             </a:fld>
             <a:endParaRPr lang="en-US" dirty="0"/>
           </a:p>
@@ -15030,7 +15033,7 @@
           <a:p>
             <a:fld id="{8872C98D-A273-4547-9B92-97D7769F71A6}" type="datetimeFigureOut">
               <a:rPr lang="en-US" dirty="0"/>
-              <a:t>2/14/2021</a:t>
+              <a:t>2/17/2021</a:t>
             </a:fld>
             <a:endParaRPr lang="en-US" dirty="0"/>
           </a:p>
@@ -15125,7 +15128,7 @@
           <a:p>
             <a:fld id="{BAB7CD67-0644-446C-B2AD-1C09BF34F286}" type="datetimeFigureOut">
               <a:rPr lang="en-US" dirty="0"/>
-              <a:t>2/14/2021</a:t>
+              <a:t>2/17/2021</a:t>
             </a:fld>
             <a:endParaRPr lang="en-US" dirty="0"/>
           </a:p>
@@ -15473,7 +15476,7 @@
           <a:p>
             <a:fld id="{81480828-6983-48AD-9E27-CBD3696F837E}" type="datetimeFigureOut">
               <a:rPr lang="en-US" dirty="0"/>
-              <a:t>2/14/2021</a:t>
+              <a:t>2/17/2021</a:t>
             </a:fld>
             <a:endParaRPr lang="en-US" dirty="0"/>
           </a:p>
@@ -15893,7 +15896,7 @@
           <a:p>
             <a:fld id="{2C5EFB91-0324-450E-B17F-36DC0ECCE413}" type="datetimeFigureOut">
               <a:rPr lang="en-US" dirty="0"/>
-              <a:t>2/14/2021</a:t>
+              <a:t>2/17/2021</a:t>
             </a:fld>
             <a:endParaRPr lang="en-US" dirty="0"/>
           </a:p>
@@ -16172,7 +16175,7 @@
           <a:p>
             <a:fld id="{52E37674-C1BA-4107-9B06-6D4CAC3A3DF5}" type="datetimeFigureOut">
               <a:rPr lang="en-US" dirty="0"/>
-              <a:t>2/14/2021</a:t>
+              <a:t>2/17/2021</a:t>
             </a:fld>
             <a:endParaRPr lang="en-US" dirty="0"/>
           </a:p>
@@ -16903,7 +16906,7 @@
           <a:p>
             <a:fld id="{3C04E684-10F4-4CC3-A0B9-F03AA7BE37CF}" type="datetimeFigureOut">
               <a:rPr lang="en-US" smtClean="0"/>
-              <a:t>2/14/2021</a:t>
+              <a:t>2/17/2021</a:t>
             </a:fld>
             <a:endParaRPr lang="en-US"/>
           </a:p>
@@ -18603,10 +18606,10 @@
       </p:sp>
       <p:pic>
         <p:nvPicPr>
-          <p:cNvPr id="8" name="תמונה 8">
+          <p:cNvPr id="6" name="תמונה 6">
             <a:extLst>
               <a:ext uri="{FF2B5EF4-FFF2-40B4-BE49-F238E27FC236}">
-                <a16:creationId xmlns:a16="http://schemas.microsoft.com/office/drawing/2014/main" id="{A288B16C-666B-4A68-8F21-F64CFD39ED89}"/>
+                <a16:creationId xmlns:a16="http://schemas.microsoft.com/office/drawing/2014/main" id="{3D8CB979-2387-4B15-AFAE-DEF015782E25}"/>
               </a:ext>
             </a:extLst>
           </p:cNvPr>
@@ -18623,8 +18626,8 @@
         </p:blipFill>
         <p:spPr>
           <a:xfrm>
-            <a:off x="1983058" y="3037229"/>
-            <a:ext cx="9982199" cy="2772177"/>
+            <a:off x="5421351" y="2477972"/>
+            <a:ext cx="2743200" cy="3797764"/>
           </a:xfrm>
           <a:prstGeom prst="rect">
             <a:avLst/>
@@ -18633,10 +18636,10 @@
       </p:pic>
       <p:pic>
         <p:nvPicPr>
-          <p:cNvPr id="9" name="תמונה 9" descr="תמונה שמכילה טקסט&#10;&#10;התיאור נוצר באופן אוטומטי">
+          <p:cNvPr id="7" name="תמונה 7">
             <a:extLst>
               <a:ext uri="{FF2B5EF4-FFF2-40B4-BE49-F238E27FC236}">
-                <a16:creationId xmlns:a16="http://schemas.microsoft.com/office/drawing/2014/main" id="{7E0AD876-64AC-4C41-9611-75984C22289C}"/>
+                <a16:creationId xmlns:a16="http://schemas.microsoft.com/office/drawing/2014/main" id="{8BF646A1-D392-4FD7-96D5-1EEC98CC881A}"/>
               </a:ext>
             </a:extLst>
           </p:cNvPr>
@@ -18653,8 +18656,38 @@
         </p:blipFill>
         <p:spPr>
           <a:xfrm>
-            <a:off x="460801" y="2765967"/>
-            <a:ext cx="1457325" cy="3314700"/>
+            <a:off x="8766717" y="2477218"/>
+            <a:ext cx="2743200" cy="3483321"/>
+          </a:xfrm>
+          <a:prstGeom prst="rect">
+            <a:avLst/>
+          </a:prstGeom>
+        </p:spPr>
+      </p:pic>
+      <p:pic>
+        <p:nvPicPr>
+          <p:cNvPr id="2" name="תמונה 2">
+            <a:extLst>
+              <a:ext uri="{FF2B5EF4-FFF2-40B4-BE49-F238E27FC236}">
+                <a16:creationId xmlns:a16="http://schemas.microsoft.com/office/drawing/2014/main" id="{7AA0F1EF-A27F-4803-A5FB-ACC250A856E6}"/>
+              </a:ext>
+            </a:extLst>
+          </p:cNvPr>
+          <p:cNvPicPr>
+            <a:picLocks noChangeAspect="1"/>
+          </p:cNvPicPr>
+          <p:nvPr/>
+        </p:nvPicPr>
+        <p:blipFill>
+          <a:blip r:embed="rId7"/>
+          <a:stretch>
+            <a:fillRect/>
+          </a:stretch>
+        </p:blipFill>
+        <p:spPr>
+          <a:xfrm>
+            <a:off x="263911" y="2760011"/>
+            <a:ext cx="4889810" cy="2480978"/>
           </a:xfrm>
           <a:prstGeom prst="rect">
             <a:avLst/>
@@ -18664,7 +18697,7 @@
     </p:spTree>
     <p:extLst>
       <p:ext uri="{BB962C8B-B14F-4D97-AF65-F5344CB8AC3E}">
-        <p14:creationId xmlns:p14="http://schemas.microsoft.com/office/powerpoint/2010/main" val="1125304770"/>
+        <p14:creationId xmlns:p14="http://schemas.microsoft.com/office/powerpoint/2010/main" val="2730131801"/>
       </p:ext>
     </p:extLst>
   </p:cSld>
@@ -19469,10 +19502,10 @@
       </p:sp>
       <p:pic>
         <p:nvPicPr>
-          <p:cNvPr id="6" name="תמונה 6">
+          <p:cNvPr id="8" name="תמונה 8">
             <a:extLst>
               <a:ext uri="{FF2B5EF4-FFF2-40B4-BE49-F238E27FC236}">
-                <a16:creationId xmlns:a16="http://schemas.microsoft.com/office/drawing/2014/main" id="{3D8CB979-2387-4B15-AFAE-DEF015782E25}"/>
+                <a16:creationId xmlns:a16="http://schemas.microsoft.com/office/drawing/2014/main" id="{A288B16C-666B-4A68-8F21-F64CFD39ED89}"/>
               </a:ext>
             </a:extLst>
           </p:cNvPr>
@@ -19489,8 +19522,8 @@
         </p:blipFill>
         <p:spPr>
           <a:xfrm>
-            <a:off x="5421351" y="2477972"/>
-            <a:ext cx="2743200" cy="3797764"/>
+            <a:off x="1983058" y="3037229"/>
+            <a:ext cx="9982199" cy="2772177"/>
           </a:xfrm>
           <a:prstGeom prst="rect">
             <a:avLst/>
@@ -19499,10 +19532,10 @@
       </p:pic>
       <p:pic>
         <p:nvPicPr>
-          <p:cNvPr id="7" name="תמונה 7">
+          <p:cNvPr id="9" name="תמונה 9" descr="תמונה שמכילה טקסט&#10;&#10;התיאור נוצר באופן אוטומטי">
             <a:extLst>
               <a:ext uri="{FF2B5EF4-FFF2-40B4-BE49-F238E27FC236}">
-                <a16:creationId xmlns:a16="http://schemas.microsoft.com/office/drawing/2014/main" id="{8BF646A1-D392-4FD7-96D5-1EEC98CC881A}"/>
+                <a16:creationId xmlns:a16="http://schemas.microsoft.com/office/drawing/2014/main" id="{7E0AD876-64AC-4C41-9611-75984C22289C}"/>
               </a:ext>
             </a:extLst>
           </p:cNvPr>
@@ -19519,38 +19552,8 @@
         </p:blipFill>
         <p:spPr>
           <a:xfrm>
-            <a:off x="8766717" y="2477218"/>
-            <a:ext cx="2743200" cy="3483321"/>
-          </a:xfrm>
-          <a:prstGeom prst="rect">
-            <a:avLst/>
-          </a:prstGeom>
-        </p:spPr>
-      </p:pic>
-      <p:pic>
-        <p:nvPicPr>
-          <p:cNvPr id="2" name="תמונה 2">
-            <a:extLst>
-              <a:ext uri="{FF2B5EF4-FFF2-40B4-BE49-F238E27FC236}">
-                <a16:creationId xmlns:a16="http://schemas.microsoft.com/office/drawing/2014/main" id="{7AA0F1EF-A27F-4803-A5FB-ACC250A856E6}"/>
-              </a:ext>
-            </a:extLst>
-          </p:cNvPr>
-          <p:cNvPicPr>
-            <a:picLocks noChangeAspect="1"/>
-          </p:cNvPicPr>
-          <p:nvPr/>
-        </p:nvPicPr>
-        <p:blipFill>
-          <a:blip r:embed="rId7"/>
-          <a:stretch>
-            <a:fillRect/>
-          </a:stretch>
-        </p:blipFill>
-        <p:spPr>
-          <a:xfrm>
-            <a:off x="263911" y="2760011"/>
-            <a:ext cx="4889810" cy="2480978"/>
+            <a:off x="460801" y="2765967"/>
+            <a:ext cx="1457325" cy="3314700"/>
           </a:xfrm>
           <a:prstGeom prst="rect">
             <a:avLst/>
@@ -19560,7 +19563,7 @@
     </p:spTree>
     <p:extLst>
       <p:ext uri="{BB962C8B-B14F-4D97-AF65-F5344CB8AC3E}">
-        <p14:creationId xmlns:p14="http://schemas.microsoft.com/office/powerpoint/2010/main" val="2730131801"/>
+        <p14:creationId xmlns:p14="http://schemas.microsoft.com/office/powerpoint/2010/main" val="1125304770"/>
       </p:ext>
     </p:extLst>
   </p:cSld>
@@ -21133,27 +21136,12 @@
           </a:lstStyle>
           <a:p>
             <a:r>
-              <a:rPr lang="he-IL" sz="4000">
+              <a:rPr lang="he-IL" sz="4000" dirty="0" err="1">
                 <a:latin typeface="David"/>
                 <a:ea typeface="+mj-lt"/>
                 <a:cs typeface="David"/>
               </a:rPr>
-              <a:t>Step  - 4 Exploratory</a:t>
-            </a:r>
-            <a:endParaRPr lang="he-IL" sz="4000" b="0">
-              <a:latin typeface="Georgia" panose="02040502050405020303"/>
-              <a:ea typeface="+mj-lt"/>
-              <a:cs typeface="David"/>
-            </a:endParaRPr>
-          </a:p>
-          <a:p>
-            <a:r>
-              <a:rPr lang="he-IL" sz="4000">
-                <a:latin typeface="David"/>
-                <a:ea typeface="+mj-lt"/>
-                <a:cs typeface="David"/>
-              </a:rPr>
-              <a:t> Data Analysis </a:t>
+              <a:t>Step</a:t>
             </a:r>
             <a:r>
               <a:rPr lang="he-IL" sz="4000" dirty="0">
@@ -21161,7 +21149,62 @@
                 <a:ea typeface="+mj-lt"/>
                 <a:cs typeface="David"/>
               </a:rPr>
-              <a:t>(EDA)</a:t>
+              <a:t> -4 </a:t>
+            </a:r>
+            <a:endParaRPr lang="he-IL" sz="4000" b="0" dirty="0" err="1">
+              <a:latin typeface="Georgia" panose="02040502050405020303"/>
+              <a:ea typeface="+mj-lt"/>
+              <a:cs typeface="David"/>
+            </a:endParaRPr>
+          </a:p>
+          <a:p>
+            <a:r>
+              <a:rPr lang="he-IL" sz="4000" dirty="0" err="1">
+                <a:latin typeface="David"/>
+                <a:ea typeface="+mj-lt"/>
+                <a:cs typeface="David"/>
+              </a:rPr>
+              <a:t>Exploratory</a:t>
+            </a:r>
+            <a:r>
+              <a:rPr lang="he-IL" sz="4000" dirty="0">
+                <a:latin typeface="David"/>
+                <a:ea typeface="+mj-lt"/>
+                <a:cs typeface="David"/>
+              </a:rPr>
+              <a:t> </a:t>
+            </a:r>
+            <a:r>
+              <a:rPr lang="he-IL" sz="4000" dirty="0" err="1">
+                <a:latin typeface="David"/>
+                <a:ea typeface="+mj-lt"/>
+                <a:cs typeface="David"/>
+              </a:rPr>
+              <a:t>Data</a:t>
+            </a:r>
+            <a:r>
+              <a:rPr lang="he-IL" sz="4000" dirty="0">
+                <a:latin typeface="David"/>
+                <a:ea typeface="+mj-lt"/>
+                <a:cs typeface="David"/>
+              </a:rPr>
+              <a:t> </a:t>
+            </a:r>
+            <a:r>
+              <a:rPr lang="he-IL" sz="4000" dirty="0" err="1">
+                <a:latin typeface="David"/>
+                <a:ea typeface="+mj-lt"/>
+                <a:cs typeface="David"/>
+              </a:rPr>
+              <a:t>Analysis</a:t>
+            </a:r>
+            <a:r>
+              <a:rPr lang="he-IL" sz="4000" dirty="0">
+                <a:latin typeface="David"/>
+                <a:ea typeface="+mj-lt"/>
+                <a:cs typeface="David"/>
+              </a:rPr>
+              <a:t> (EDA)</a:t>
             </a:r>
             <a:endParaRPr lang="he-IL" sz="4000" b="0">
               <a:latin typeface="Georgia"/>
@@ -21971,14 +22014,14 @@
           </a:lstStyle>
           <a:p>
             <a:r>
-              <a:rPr lang="en-US" sz="4000">
+              <a:rPr lang="en-US" sz="4000" dirty="0">
                 <a:latin typeface="David"/>
                 <a:ea typeface="+mj-lt"/>
                 <a:cs typeface="+mj-lt"/>
               </a:rPr>
-              <a:t>Step-5 </a:t>
-            </a:r>
-            <a:endParaRPr lang="he-IL" sz="4000" b="0">
+              <a:t>Step - 5 </a:t>
+            </a:r>
+            <a:endParaRPr lang="he-IL" sz="4000" b="0" dirty="0">
               <a:latin typeface="David"/>
               <a:ea typeface="+mj-lt"/>
               <a:cs typeface="David"/>
@@ -21986,14 +22029,14 @@
           </a:p>
           <a:p>
             <a:r>
-              <a:rPr lang="en-US" sz="4000">
+              <a:rPr lang="en-US" sz="4000" dirty="0">
                 <a:latin typeface="David"/>
                 <a:ea typeface="+mj-lt"/>
                 <a:cs typeface="+mj-lt"/>
               </a:rPr>
               <a:t>Machine Learning</a:t>
             </a:r>
-            <a:endParaRPr lang="he-IL" sz="4000" b="0">
+            <a:endParaRPr lang="he-IL" sz="4000" b="0" dirty="0">
               <a:latin typeface="David"/>
               <a:ea typeface="+mj-lt"/>
               <a:cs typeface="David"/>
@@ -24756,6 +24799,2752 @@
     <p:extLst>
       <p:ext uri="{BB962C8B-B14F-4D97-AF65-F5344CB8AC3E}">
         <p14:creationId xmlns:p14="http://schemas.microsoft.com/office/powerpoint/2010/main" val="2360865202"/>
+      </p:ext>
+    </p:extLst>
+  </p:cSld>
+  <p:clrMapOvr>
+    <a:masterClrMapping/>
+  </p:clrMapOvr>
+</p:sld>
+</file>
+
+<file path=ppt/slides/slide18.xml><?xml version="1.0" encoding="utf-8"?>
+<p:sld xmlns:a="http://schemas.openxmlformats.org/drawingml/2006/main" xmlns:r="http://schemas.openxmlformats.org/officeDocument/2006/relationships" xmlns:p="http://schemas.openxmlformats.org/presentationml/2006/main">
+  <p:cSld>
+    <p:bg>
+      <p:bgPr>
+        <a:solidFill>
+          <a:schemeClr val="bg1"/>
+        </a:solidFill>
+        <a:effectLst/>
+      </p:bgPr>
+    </p:bg>
+    <p:spTree>
+      <p:nvGrpSpPr>
+        <p:cNvPr id="1" name=""/>
+        <p:cNvGrpSpPr/>
+        <p:nvPr/>
+      </p:nvGrpSpPr>
+      <p:grpSpPr>
+        <a:xfrm>
+          <a:off x="0" y="0"/>
+          <a:ext cx="0" cy="0"/>
+          <a:chOff x="0" y="0"/>
+          <a:chExt cx="0" cy="0"/>
+        </a:xfrm>
+      </p:grpSpPr>
+      <p:pic>
+        <p:nvPicPr>
+          <p:cNvPr id="17" name="Picture 16" descr="White bulbs with a yellow one standing out">
+            <a:extLst>
+              <a:ext uri="{FF2B5EF4-FFF2-40B4-BE49-F238E27FC236}">
+                <a16:creationId xmlns:a16="http://schemas.microsoft.com/office/drawing/2014/main" id="{57011505-21F2-4930-99E3-2267ADEEE534}"/>
+              </a:ext>
+            </a:extLst>
+          </p:cNvPr>
+          <p:cNvPicPr>
+            <a:picLocks noChangeAspect="1"/>
+          </p:cNvPicPr>
+          <p:nvPr/>
+        </p:nvPicPr>
+        <p:blipFill rotWithShape="1">
+          <a:blip r:embed="rId2"/>
+          <a:srcRect l="31856" r="9097" b="-1"/>
+          <a:stretch/>
+        </p:blipFill>
+        <p:spPr>
+          <a:xfrm>
+            <a:off x="1" y="10"/>
+            <a:ext cx="6066502" cy="6857989"/>
+          </a:xfrm>
+          <a:prstGeom prst="rect">
+            <a:avLst/>
+          </a:prstGeom>
+        </p:spPr>
+      </p:pic>
+      <p:sp>
+        <p:nvSpPr>
+          <p:cNvPr id="36" name="Rectangle 38">
+            <a:extLst>
+              <a:ext uri="{FF2B5EF4-FFF2-40B4-BE49-F238E27FC236}">
+                <a16:creationId xmlns:a16="http://schemas.microsoft.com/office/drawing/2014/main" id="{A0202727-54F2-4F63-818F-99119BA2134F}"/>
+              </a:ext>
+              <a:ext uri="{C183D7F6-B498-43B3-948B-1728B52AA6E4}">
+                <adec:decorative xmlns:adec="http://schemas.microsoft.com/office/drawing/2017/decorative" val="1"/>
+              </a:ext>
+            </a:extLst>
+          </p:cNvPr>
+          <p:cNvSpPr>
+            <a:spLocks noGrp="1" noRot="1" noChangeAspect="1" noMove="1" noResize="1" noEditPoints="1" noAdjustHandles="1" noChangeArrowheads="1" noChangeShapeType="1" noTextEdit="1"/>
+          </p:cNvSpPr>
+          <p:nvPr>
+            <p:extLst>
+              <p:ext uri="{386F3935-93C4-4BCD-93E2-E3B085C9AB24}">
+                <p16:designElem xmlns:p16="http://schemas.microsoft.com/office/powerpoint/2015/main" val="1"/>
+              </p:ext>
+            </p:extLst>
+          </p:nvPr>
+        </p:nvSpPr>
+        <p:spPr>
+          <a:xfrm>
+            <a:off x="6066502" y="0"/>
+            <a:ext cx="6125497" cy="6857999"/>
+          </a:xfrm>
+          <a:prstGeom prst="rect">
+            <a:avLst/>
+          </a:prstGeom>
+          <a:blipFill dpi="0" rotWithShape="1">
+            <a:blip r:embed="rId3">
+              <a:alphaModFix amt="60000"/>
+              <a:lum bright="70000" contrast="-70000"/>
+              <a:extLst>
+                <a:ext uri="{28A0092B-C50C-407E-A947-70E740481C1C}">
+                  <a14:useLocalDpi xmlns:a14="http://schemas.microsoft.com/office/drawing/2010/main" val="0"/>
+                </a:ext>
+              </a:extLst>
+            </a:blip>
+            <a:srcRect/>
+            <a:tile tx="0" ty="-704850" sx="92000" sy="89000" flip="xy" algn="ctr"/>
+          </a:blipFill>
+          <a:ln>
+            <a:noFill/>
+          </a:ln>
+        </p:spPr>
+        <p:style>
+          <a:lnRef idx="2">
+            <a:schemeClr val="accent1">
+              <a:shade val="50000"/>
+            </a:schemeClr>
+          </a:lnRef>
+          <a:fillRef idx="1">
+            <a:schemeClr val="accent1"/>
+          </a:fillRef>
+          <a:effectRef idx="0">
+            <a:schemeClr val="accent1"/>
+          </a:effectRef>
+          <a:fontRef idx="minor">
+            <a:schemeClr val="lt1"/>
+          </a:fontRef>
+        </p:style>
+        <p:txBody>
+          <a:bodyPr rtlCol="0" anchor="ctr"/>
+          <a:lstStyle/>
+          <a:p>
+            <a:pPr algn="ctr"/>
+            <a:endParaRPr lang="en-US"/>
+          </a:p>
+        </p:txBody>
+      </p:sp>
+      <p:grpSp>
+        <p:nvGrpSpPr>
+          <p:cNvPr id="37" name="Group 40">
+            <a:extLst>
+              <a:ext uri="{FF2B5EF4-FFF2-40B4-BE49-F238E27FC236}">
+                <a16:creationId xmlns:a16="http://schemas.microsoft.com/office/drawing/2014/main" id="{B7A73C12-F0BE-4AA8-845B-8CE5359D6F73}"/>
+              </a:ext>
+              <a:ext uri="{C183D7F6-B498-43B3-948B-1728B52AA6E4}">
+                <adec:decorative xmlns:adec="http://schemas.microsoft.com/office/drawing/2017/decorative" val="1"/>
+              </a:ext>
+            </a:extLst>
+          </p:cNvPr>
+          <p:cNvGrpSpPr>
+            <a:grpSpLocks noGrp="1" noUngrp="1" noRot="1" noChangeAspect="1" noMove="1" noResize="1"/>
+          </p:cNvGrpSpPr>
+          <p:nvPr>
+            <p:extLst>
+              <p:ext uri="{386F3935-93C4-4BCD-93E2-E3B085C9AB24}">
+                <p16:designElem xmlns:p16="http://schemas.microsoft.com/office/powerpoint/2015/main" val="1"/>
+              </p:ext>
+            </p:extLst>
+          </p:nvPr>
+        </p:nvGrpSpPr>
+        <p:grpSpPr>
+          <a:xfrm>
+            <a:off x="11401725" y="6229681"/>
+            <a:ext cx="457200" cy="457200"/>
+            <a:chOff x="11361456" y="6195813"/>
+            <a:chExt cx="548640" cy="548640"/>
+          </a:xfrm>
+        </p:grpSpPr>
+        <p:sp>
+          <p:nvSpPr>
+            <p:cNvPr id="42" name="Oval 41">
+              <a:extLst>
+                <a:ext uri="{FF2B5EF4-FFF2-40B4-BE49-F238E27FC236}">
+                  <a16:creationId xmlns:a16="http://schemas.microsoft.com/office/drawing/2014/main" id="{F969367E-EAFB-4B65-ACBA-F5D36EE0B77C}"/>
+                </a:ext>
+                <a:ext uri="{C183D7F6-B498-43B3-948B-1728B52AA6E4}">
+                  <adec:decorative xmlns:adec="http://schemas.microsoft.com/office/drawing/2017/decorative" val="1"/>
+                </a:ext>
+              </a:extLst>
+            </p:cNvPr>
+            <p:cNvSpPr/>
+            <p:nvPr>
+              <p:extLst>
+                <p:ext uri="{386F3935-93C4-4BCD-93E2-E3B085C9AB24}">
+                  <p16:designElem xmlns:p16="http://schemas.microsoft.com/office/powerpoint/2015/main" val="1"/>
+                </p:ext>
+              </p:extLst>
+            </p:nvPr>
+          </p:nvSpPr>
+          <p:spPr>
+            <a:xfrm>
+              <a:off x="11361456" y="6195813"/>
+              <a:ext cx="548640" cy="548640"/>
+            </a:xfrm>
+            <a:prstGeom prst="ellipse">
+              <a:avLst/>
+            </a:prstGeom>
+            <a:blipFill dpi="0" rotWithShape="1">
+              <a:blip r:embed="rId4">
+                <a:duotone>
+                  <a:schemeClr val="accent1">
+                    <a:shade val="45000"/>
+                    <a:satMod val="135000"/>
+                  </a:schemeClr>
+                  <a:prstClr val="white"/>
+                </a:duotone>
+              </a:blip>
+              <a:srcRect/>
+              <a:tile tx="50800" ty="0" sx="85000" sy="85000" flip="none" algn="tl"/>
+            </a:blipFill>
+            <a:ln w="25400" cap="flat" cmpd="sng" algn="ctr">
+              <a:noFill/>
+              <a:prstDash val="solid"/>
+            </a:ln>
+            <a:effectLst/>
+          </p:spPr>
+          <p:txBody>
+            <a:bodyPr lIns="0" tIns="0" rIns="0" bIns="0" rtlCol="0" anchor="ctr"/>
+            <a:lstStyle/>
+            <a:p>
+              <a:pPr marL="0" marR="0" lvl="0" indent="0" algn="ctr" defTabSz="914400" eaLnBrk="1" fontAlgn="auto" latinLnBrk="0" hangingPunct="1">
+                <a:lnSpc>
+                  <a:spcPct val="100000"/>
+                </a:lnSpc>
+                <a:spcBef>
+                  <a:spcPts val="0"/>
+                </a:spcBef>
+                <a:spcAft>
+                  <a:spcPts val="0"/>
+                </a:spcAft>
+                <a:buClrTx/>
+                <a:buSzTx/>
+                <a:buFontTx/>
+                <a:buNone/>
+                <a:tabLst/>
+                <a:defRPr/>
+              </a:pPr>
+              <a:endParaRPr kumimoji="0" lang="en-US" sz="2000" b="0" i="0" u="none" strike="noStrike" kern="0" cap="none" spc="0" normalizeH="0" baseline="0" noProof="0" dirty="0">
+                <a:ln>
+                  <a:noFill/>
+                </a:ln>
+                <a:solidFill>
+                  <a:prstClr val="white"/>
+                </a:solidFill>
+                <a:effectLst/>
+                <a:uLnTx/>
+                <a:uFillTx/>
+                <a:latin typeface="Rockwell Extra Bold" pitchFamily="18" charset="0"/>
+                <a:ea typeface="+mn-ea"/>
+                <a:cs typeface="+mn-cs"/>
+              </a:endParaRPr>
+            </a:p>
+          </p:txBody>
+        </p:sp>
+        <p:sp>
+          <p:nvSpPr>
+            <p:cNvPr id="38" name="Oval 42">
+              <a:extLst>
+                <a:ext uri="{FF2B5EF4-FFF2-40B4-BE49-F238E27FC236}">
+                  <a16:creationId xmlns:a16="http://schemas.microsoft.com/office/drawing/2014/main" id="{5DA60E8A-7C25-441D-80F6-60E944794AFB}"/>
+                </a:ext>
+                <a:ext uri="{C183D7F6-B498-43B3-948B-1728B52AA6E4}">
+                  <adec:decorative xmlns:adec="http://schemas.microsoft.com/office/drawing/2017/decorative" val="1"/>
+                </a:ext>
+              </a:extLst>
+            </p:cNvPr>
+            <p:cNvSpPr/>
+            <p:nvPr>
+              <p:extLst>
+                <p:ext uri="{386F3935-93C4-4BCD-93E2-E3B085C9AB24}">
+                  <p16:designElem xmlns:p16="http://schemas.microsoft.com/office/powerpoint/2015/main" val="1"/>
+                </p:ext>
+              </p:extLst>
+            </p:nvPr>
+          </p:nvSpPr>
+          <p:spPr>
+            <a:xfrm>
+              <a:off x="11396488" y="6230844"/>
+              <a:ext cx="478576" cy="478578"/>
+            </a:xfrm>
+            <a:prstGeom prst="ellipse">
+              <a:avLst/>
+            </a:prstGeom>
+            <a:noFill/>
+            <a:ln w="12700" cap="flat" cmpd="sng" algn="ctr">
+              <a:solidFill>
+                <a:srgbClr val="FFFFFF"/>
+              </a:solidFill>
+              <a:prstDash val="solid"/>
+            </a:ln>
+            <a:effectLst/>
+          </p:spPr>
+          <p:txBody>
+            <a:bodyPr rtlCol="0" anchor="ctr"/>
+            <a:lstStyle/>
+            <a:p>
+              <a:pPr marL="0" marR="0" lvl="0" indent="0" algn="ctr" defTabSz="914400" eaLnBrk="1" fontAlgn="auto" latinLnBrk="0" hangingPunct="1">
+                <a:lnSpc>
+                  <a:spcPct val="100000"/>
+                </a:lnSpc>
+                <a:spcBef>
+                  <a:spcPts val="0"/>
+                </a:spcBef>
+                <a:spcAft>
+                  <a:spcPts val="0"/>
+                </a:spcAft>
+                <a:buClrTx/>
+                <a:buSzTx/>
+                <a:buFontTx/>
+                <a:buNone/>
+                <a:tabLst/>
+                <a:defRPr/>
+              </a:pPr>
+              <a:endParaRPr kumimoji="0" lang="en-US" sz="1800" b="0" i="0" u="none" strike="noStrike" kern="0" cap="none" spc="0" normalizeH="0" baseline="0" noProof="0" dirty="0">
+                <a:ln>
+                  <a:noFill/>
+                </a:ln>
+                <a:solidFill>
+                  <a:prstClr val="white"/>
+                </a:solidFill>
+                <a:effectLst/>
+                <a:uLnTx/>
+                <a:uFillTx/>
+                <a:latin typeface="Calibri"/>
+                <a:ea typeface="+mn-ea"/>
+                <a:cs typeface="+mn-cs"/>
+              </a:endParaRPr>
+            </a:p>
+          </p:txBody>
+        </p:sp>
+      </p:grpSp>
+      <p:sp>
+        <p:nvSpPr>
+          <p:cNvPr id="13" name="מציין מיקום תוכן 2">
+            <a:extLst>
+              <a:ext uri="{FF2B5EF4-FFF2-40B4-BE49-F238E27FC236}">
+                <a16:creationId xmlns:a16="http://schemas.microsoft.com/office/drawing/2014/main" id="{8C5DD0BE-9F6D-4D2C-8A04-3647A497796B}"/>
+              </a:ext>
+            </a:extLst>
+          </p:cNvPr>
+          <p:cNvSpPr txBox="1">
+            <a:spLocks/>
+          </p:cNvSpPr>
+          <p:nvPr/>
+        </p:nvSpPr>
+        <p:spPr>
+          <a:xfrm>
+            <a:off x="6452538" y="2576749"/>
+            <a:ext cx="3816774" cy="4050792"/>
+          </a:xfrm>
+          <a:prstGeom prst="rect">
+            <a:avLst/>
+          </a:prstGeom>
+        </p:spPr>
+        <p:txBody>
+          <a:bodyPr vert="horz" lIns="91440" tIns="45720" rIns="91440" bIns="45720" rtlCol="0" anchor="t">
+            <a:normAutofit/>
+          </a:bodyPr>
+          <a:lstStyle>
+            <a:lvl1pPr marL="182880" indent="-182880" algn="l" defTabSz="914400" rtl="0" eaLnBrk="1" latinLnBrk="0" hangingPunct="1">
+              <a:lnSpc>
+                <a:spcPct val="90000"/>
+              </a:lnSpc>
+              <a:spcBef>
+                <a:spcPts val="1200"/>
+              </a:spcBef>
+              <a:buClr>
+                <a:schemeClr val="accent1">
+                  <a:lumMod val="75000"/>
+                </a:schemeClr>
+              </a:buClr>
+              <a:buSzPct val="85000"/>
+              <a:buFont typeface="Wingdings" pitchFamily="2" charset="2"/>
+              <a:buChar char="§"/>
+              <a:defRPr sz="2000" kern="1200">
+                <a:solidFill>
+                  <a:schemeClr val="tx1"/>
+                </a:solidFill>
+                <a:latin typeface="+mn-lt"/>
+                <a:ea typeface="+mn-ea"/>
+                <a:cs typeface="+mn-cs"/>
+              </a:defRPr>
+            </a:lvl1pPr>
+            <a:lvl2pPr marL="457200" indent="-182880" algn="l" defTabSz="914400" rtl="0" eaLnBrk="1" latinLnBrk="0" hangingPunct="1">
+              <a:lnSpc>
+                <a:spcPct val="90000"/>
+              </a:lnSpc>
+              <a:spcBef>
+                <a:spcPts val="400"/>
+              </a:spcBef>
+              <a:spcAft>
+                <a:spcPts val="200"/>
+              </a:spcAft>
+              <a:buClr>
+                <a:schemeClr val="accent1">
+                  <a:lumMod val="75000"/>
+                </a:schemeClr>
+              </a:buClr>
+              <a:buSzPct val="85000"/>
+              <a:buFont typeface="Wingdings" pitchFamily="2" charset="2"/>
+              <a:buChar char="§"/>
+              <a:defRPr sz="1800" kern="1200">
+                <a:solidFill>
+                  <a:schemeClr val="tx1"/>
+                </a:solidFill>
+                <a:latin typeface="+mn-lt"/>
+                <a:ea typeface="+mn-ea"/>
+                <a:cs typeface="+mn-cs"/>
+              </a:defRPr>
+            </a:lvl2pPr>
+            <a:lvl3pPr marL="731520" indent="-182880" algn="l" defTabSz="914400" rtl="0" eaLnBrk="1" latinLnBrk="0" hangingPunct="1">
+              <a:lnSpc>
+                <a:spcPct val="90000"/>
+              </a:lnSpc>
+              <a:spcBef>
+                <a:spcPts val="400"/>
+              </a:spcBef>
+              <a:spcAft>
+                <a:spcPts val="200"/>
+              </a:spcAft>
+              <a:buClr>
+                <a:schemeClr val="accent1">
+                  <a:lumMod val="75000"/>
+                </a:schemeClr>
+              </a:buClr>
+              <a:buSzPct val="85000"/>
+              <a:buFont typeface="Wingdings" pitchFamily="2" charset="2"/>
+              <a:buChar char="§"/>
+              <a:defRPr sz="1600" kern="1200">
+                <a:solidFill>
+                  <a:schemeClr val="tx1"/>
+                </a:solidFill>
+                <a:latin typeface="+mn-lt"/>
+                <a:ea typeface="+mn-ea"/>
+                <a:cs typeface="+mn-cs"/>
+              </a:defRPr>
+            </a:lvl3pPr>
+            <a:lvl4pPr marL="1005840" indent="-182880" algn="l" defTabSz="914400" rtl="0" eaLnBrk="1" latinLnBrk="0" hangingPunct="1">
+              <a:lnSpc>
+                <a:spcPct val="90000"/>
+              </a:lnSpc>
+              <a:spcBef>
+                <a:spcPts val="400"/>
+              </a:spcBef>
+              <a:spcAft>
+                <a:spcPts val="200"/>
+              </a:spcAft>
+              <a:buClr>
+                <a:schemeClr val="accent1">
+                  <a:lumMod val="75000"/>
+                </a:schemeClr>
+              </a:buClr>
+              <a:buSzPct val="85000"/>
+              <a:buFont typeface="Wingdings" pitchFamily="2" charset="2"/>
+              <a:buChar char="§"/>
+              <a:defRPr sz="1600" kern="1200">
+                <a:solidFill>
+                  <a:schemeClr val="tx1"/>
+                </a:solidFill>
+                <a:latin typeface="+mn-lt"/>
+                <a:ea typeface="+mn-ea"/>
+                <a:cs typeface="+mn-cs"/>
+              </a:defRPr>
+            </a:lvl4pPr>
+            <a:lvl5pPr marL="1280160" indent="-182880" algn="l" defTabSz="914400" rtl="0" eaLnBrk="1" latinLnBrk="0" hangingPunct="1">
+              <a:lnSpc>
+                <a:spcPct val="90000"/>
+              </a:lnSpc>
+              <a:spcBef>
+                <a:spcPts val="400"/>
+              </a:spcBef>
+              <a:spcAft>
+                <a:spcPts val="200"/>
+              </a:spcAft>
+              <a:buClr>
+                <a:schemeClr val="accent1">
+                  <a:lumMod val="75000"/>
+                </a:schemeClr>
+              </a:buClr>
+              <a:buSzPct val="85000"/>
+              <a:buFont typeface="Wingdings" pitchFamily="2" charset="2"/>
+              <a:buChar char="§"/>
+              <a:defRPr sz="1600" kern="1200">
+                <a:solidFill>
+                  <a:schemeClr val="tx1"/>
+                </a:solidFill>
+                <a:latin typeface="+mn-lt"/>
+                <a:ea typeface="+mn-ea"/>
+                <a:cs typeface="+mn-cs"/>
+              </a:defRPr>
+            </a:lvl5pPr>
+            <a:lvl6pPr marL="1600000" indent="-228600" algn="l" defTabSz="914400" rtl="0" eaLnBrk="1" latinLnBrk="0" hangingPunct="1">
+              <a:lnSpc>
+                <a:spcPct val="90000"/>
+              </a:lnSpc>
+              <a:spcBef>
+                <a:spcPts val="400"/>
+              </a:spcBef>
+              <a:spcAft>
+                <a:spcPts val="200"/>
+              </a:spcAft>
+              <a:buClr>
+                <a:schemeClr val="accent1">
+                  <a:lumMod val="75000"/>
+                </a:schemeClr>
+              </a:buClr>
+              <a:buSzPct val="85000"/>
+              <a:buFont typeface="Wingdings" pitchFamily="2" charset="2"/>
+              <a:buChar char="§"/>
+              <a:defRPr sz="1600" kern="1200">
+                <a:solidFill>
+                  <a:schemeClr val="tx1"/>
+                </a:solidFill>
+                <a:latin typeface="+mn-lt"/>
+                <a:ea typeface="+mn-ea"/>
+                <a:cs typeface="+mn-cs"/>
+              </a:defRPr>
+            </a:lvl6pPr>
+            <a:lvl7pPr marL="1900000" indent="-228600" algn="l" defTabSz="914400" rtl="0" eaLnBrk="1" latinLnBrk="0" hangingPunct="1">
+              <a:lnSpc>
+                <a:spcPct val="90000"/>
+              </a:lnSpc>
+              <a:spcBef>
+                <a:spcPts val="400"/>
+              </a:spcBef>
+              <a:spcAft>
+                <a:spcPts val="200"/>
+              </a:spcAft>
+              <a:buClr>
+                <a:schemeClr val="accent1">
+                  <a:lumMod val="75000"/>
+                </a:schemeClr>
+              </a:buClr>
+              <a:buSzPct val="85000"/>
+              <a:buFont typeface="Wingdings" pitchFamily="2" charset="2"/>
+              <a:buChar char="§"/>
+              <a:defRPr sz="1600" kern="1200">
+                <a:solidFill>
+                  <a:schemeClr val="tx1"/>
+                </a:solidFill>
+                <a:latin typeface="+mn-lt"/>
+                <a:ea typeface="+mn-ea"/>
+                <a:cs typeface="+mn-cs"/>
+              </a:defRPr>
+            </a:lvl7pPr>
+            <a:lvl8pPr marL="2200000" indent="-228600" algn="l" defTabSz="914400" rtl="0" eaLnBrk="1" latinLnBrk="0" hangingPunct="1">
+              <a:lnSpc>
+                <a:spcPct val="90000"/>
+              </a:lnSpc>
+              <a:spcBef>
+                <a:spcPts val="400"/>
+              </a:spcBef>
+              <a:spcAft>
+                <a:spcPts val="200"/>
+              </a:spcAft>
+              <a:buClr>
+                <a:schemeClr val="accent1">
+                  <a:lumMod val="75000"/>
+                </a:schemeClr>
+              </a:buClr>
+              <a:buSzPct val="85000"/>
+              <a:buFont typeface="Wingdings" pitchFamily="2" charset="2"/>
+              <a:buChar char="§"/>
+              <a:defRPr sz="1600" kern="1200">
+                <a:solidFill>
+                  <a:schemeClr val="tx1"/>
+                </a:solidFill>
+                <a:latin typeface="+mn-lt"/>
+                <a:ea typeface="+mn-ea"/>
+                <a:cs typeface="+mn-cs"/>
+              </a:defRPr>
+            </a:lvl8pPr>
+            <a:lvl9pPr marL="2500000" indent="-228600" algn="l" defTabSz="914400" rtl="0" eaLnBrk="1" latinLnBrk="0" hangingPunct="1">
+              <a:lnSpc>
+                <a:spcPct val="90000"/>
+              </a:lnSpc>
+              <a:spcBef>
+                <a:spcPts val="400"/>
+              </a:spcBef>
+              <a:spcAft>
+                <a:spcPts val="200"/>
+              </a:spcAft>
+              <a:buClr>
+                <a:schemeClr val="accent1">
+                  <a:lumMod val="75000"/>
+                </a:schemeClr>
+              </a:buClr>
+              <a:buSzPct val="85000"/>
+              <a:buFont typeface="Wingdings" pitchFamily="2" charset="2"/>
+              <a:buChar char="§"/>
+              <a:defRPr sz="1600" kern="1200">
+                <a:solidFill>
+                  <a:schemeClr val="tx1"/>
+                </a:solidFill>
+                <a:latin typeface="+mn-lt"/>
+                <a:ea typeface="+mn-ea"/>
+                <a:cs typeface="+mn-cs"/>
+              </a:defRPr>
+            </a:lvl9pPr>
+          </a:lstStyle>
+          <a:p>
+            <a:pPr marL="285750"/>
+            <a:r>
+              <a:rPr lang="en-US" sz="1800" dirty="0">
+                <a:latin typeface="David"/>
+                <a:cs typeface="David"/>
+              </a:rPr>
+              <a:t>Model Selection</a:t>
+            </a:r>
+          </a:p>
+          <a:p>
+            <a:pPr marL="285750">
+              <a:buClr>
+                <a:srgbClr val="558BB8"/>
+              </a:buClr>
+            </a:pPr>
+            <a:r>
+              <a:rPr lang="en-US" sz="1800" dirty="0">
+                <a:latin typeface="David"/>
+                <a:ea typeface="+mn-lt"/>
+                <a:cs typeface="+mn-lt"/>
+              </a:rPr>
+              <a:t>We will choose the model that gives the best </a:t>
+            </a:r>
+            <a:r>
+              <a:rPr lang="he-IL" sz="1800" dirty="0" err="1">
+                <a:latin typeface="David"/>
+                <a:ea typeface="+mn-lt"/>
+                <a:cs typeface="David"/>
+              </a:rPr>
+              <a:t>predict</a:t>
+            </a:r>
+            <a:endParaRPr lang="he-IL" sz="1800">
+              <a:latin typeface="David"/>
+              <a:cs typeface="David"/>
+            </a:endParaRPr>
+          </a:p>
+          <a:p>
+            <a:pPr marL="285750">
+              <a:buClr>
+                <a:srgbClr val="558BB8"/>
+              </a:buClr>
+            </a:pPr>
+            <a:r>
+              <a:rPr lang="he-IL" sz="1800" dirty="0" err="1">
+                <a:latin typeface="David"/>
+                <a:ea typeface="+mn-lt"/>
+                <a:cs typeface="David"/>
+              </a:rPr>
+              <a:t>In</a:t>
+            </a:r>
+            <a:r>
+              <a:rPr lang="he-IL" sz="1800" dirty="0">
+                <a:latin typeface="David"/>
+                <a:ea typeface="+mn-lt"/>
+                <a:cs typeface="David"/>
+              </a:rPr>
+              <a:t> </a:t>
+            </a:r>
+            <a:r>
+              <a:rPr lang="he-IL" sz="1800" dirty="0" err="1">
+                <a:latin typeface="David"/>
+                <a:ea typeface="+mn-lt"/>
+                <a:cs typeface="David"/>
+              </a:rPr>
+              <a:t>our</a:t>
+            </a:r>
+            <a:r>
+              <a:rPr lang="he-IL" sz="1800" dirty="0">
+                <a:latin typeface="David"/>
+                <a:ea typeface="+mn-lt"/>
+                <a:cs typeface="David"/>
+              </a:rPr>
+              <a:t> </a:t>
+            </a:r>
+            <a:r>
+              <a:rPr lang="he-IL" sz="1800" dirty="0" err="1">
+                <a:latin typeface="David"/>
+                <a:ea typeface="+mn-lt"/>
+                <a:cs typeface="David"/>
+              </a:rPr>
+              <a:t>case</a:t>
+            </a:r>
+            <a:r>
+              <a:rPr lang="he-IL" sz="1800" dirty="0">
+                <a:latin typeface="David"/>
+                <a:ea typeface="+mn-lt"/>
+                <a:cs typeface="David"/>
+              </a:rPr>
+              <a:t> </a:t>
+            </a:r>
+            <a:r>
+              <a:rPr lang="he-IL" sz="1800" dirty="0" err="1">
+                <a:latin typeface="David"/>
+                <a:ea typeface="+mn-lt"/>
+                <a:cs typeface="David"/>
+              </a:rPr>
+              <a:t>the</a:t>
+            </a:r>
+            <a:r>
+              <a:rPr lang="he-IL" sz="1800" dirty="0">
+                <a:latin typeface="David"/>
+                <a:ea typeface="+mn-lt"/>
+                <a:cs typeface="David"/>
+              </a:rPr>
+              <a:t> </a:t>
+            </a:r>
+            <a:r>
+              <a:rPr lang="he-IL" sz="1800" dirty="0" err="1">
+                <a:latin typeface="David"/>
+                <a:ea typeface="+mn-lt"/>
+                <a:cs typeface="David"/>
+              </a:rPr>
+              <a:t>Linear</a:t>
+            </a:r>
+            <a:r>
+              <a:rPr lang="he-IL" sz="1800" dirty="0">
+                <a:latin typeface="David"/>
+                <a:ea typeface="+mn-lt"/>
+                <a:cs typeface="David"/>
+              </a:rPr>
+              <a:t> </a:t>
+            </a:r>
+            <a:r>
+              <a:rPr lang="he-IL" sz="1800" dirty="0" err="1">
+                <a:latin typeface="David"/>
+                <a:ea typeface="+mn-lt"/>
+                <a:cs typeface="David"/>
+              </a:rPr>
+              <a:t>Regression</a:t>
+            </a:r>
+            <a:r>
+              <a:rPr lang="he-IL" sz="1800" dirty="0">
+                <a:latin typeface="David"/>
+                <a:ea typeface="+mn-lt"/>
+                <a:cs typeface="David"/>
+              </a:rPr>
+              <a:t> </a:t>
+            </a:r>
+            <a:r>
+              <a:rPr lang="he-IL" sz="1800" dirty="0" err="1">
+                <a:latin typeface="David"/>
+                <a:ea typeface="+mn-lt"/>
+                <a:cs typeface="David"/>
+              </a:rPr>
+              <a:t>model</a:t>
+            </a:r>
+            <a:r>
+              <a:rPr lang="he-IL" sz="1800" dirty="0">
+                <a:latin typeface="David"/>
+                <a:ea typeface="+mn-lt"/>
+                <a:cs typeface="David"/>
+              </a:rPr>
+              <a:t> </a:t>
+            </a:r>
+            <a:r>
+              <a:rPr lang="he-IL" sz="1800" dirty="0" err="1">
+                <a:latin typeface="David"/>
+                <a:ea typeface="+mn-lt"/>
+                <a:cs typeface="David"/>
+              </a:rPr>
+              <a:t>gave</a:t>
+            </a:r>
+            <a:r>
+              <a:rPr lang="he-IL" sz="1800" dirty="0">
+                <a:latin typeface="David"/>
+                <a:ea typeface="+mn-lt"/>
+                <a:cs typeface="David"/>
+              </a:rPr>
+              <a:t> </a:t>
+            </a:r>
+            <a:r>
+              <a:rPr lang="he-IL" sz="1800" dirty="0" err="1">
+                <a:latin typeface="David"/>
+                <a:ea typeface="+mn-lt"/>
+                <a:cs typeface="David"/>
+              </a:rPr>
+              <a:t>the</a:t>
+            </a:r>
+            <a:r>
+              <a:rPr lang="he-IL" sz="1800" dirty="0">
+                <a:latin typeface="David"/>
+                <a:ea typeface="+mn-lt"/>
+                <a:cs typeface="David"/>
+              </a:rPr>
+              <a:t> </a:t>
+            </a:r>
+            <a:r>
+              <a:rPr lang="he-IL" sz="1800" dirty="0" err="1">
+                <a:latin typeface="David"/>
+                <a:ea typeface="+mn-lt"/>
+                <a:cs typeface="David"/>
+              </a:rPr>
+              <a:t>best</a:t>
+            </a:r>
+            <a:r>
+              <a:rPr lang="he-IL" sz="1800" dirty="0">
+                <a:latin typeface="David"/>
+                <a:ea typeface="+mn-lt"/>
+                <a:cs typeface="David"/>
+              </a:rPr>
+              <a:t> </a:t>
+            </a:r>
+            <a:r>
+              <a:rPr lang="he-IL" sz="1800" dirty="0" err="1">
+                <a:latin typeface="David"/>
+                <a:ea typeface="+mn-lt"/>
+                <a:cs typeface="David"/>
+              </a:rPr>
+              <a:t>prediction</a:t>
+            </a:r>
+            <a:endParaRPr lang="he-IL" sz="1800">
+              <a:latin typeface="David"/>
+              <a:cs typeface="David"/>
+            </a:endParaRPr>
+          </a:p>
+          <a:p>
+            <a:pPr>
+              <a:buClr>
+                <a:srgbClr val="558BB8"/>
+              </a:buClr>
+            </a:pPr>
+            <a:r>
+              <a:rPr lang="he-IL" sz="1800" dirty="0" err="1">
+                <a:latin typeface="David"/>
+                <a:ea typeface="+mn-lt"/>
+                <a:cs typeface="David"/>
+              </a:rPr>
+              <a:t>Accuracy</a:t>
+            </a:r>
+            <a:r>
+              <a:rPr lang="he-IL" sz="1800" dirty="0">
+                <a:latin typeface="David"/>
+                <a:ea typeface="+mn-lt"/>
+                <a:cs typeface="David"/>
+              </a:rPr>
+              <a:t> </a:t>
+            </a:r>
+            <a:r>
+              <a:rPr lang="he-IL" sz="1800" dirty="0" err="1">
+                <a:latin typeface="David"/>
+                <a:ea typeface="+mn-lt"/>
+                <a:cs typeface="David"/>
+              </a:rPr>
+              <a:t>on</a:t>
+            </a:r>
+            <a:r>
+              <a:rPr lang="he-IL" sz="1800" dirty="0">
+                <a:latin typeface="David"/>
+                <a:ea typeface="+mn-lt"/>
+                <a:cs typeface="David"/>
+              </a:rPr>
+              <a:t> </a:t>
+            </a:r>
+            <a:r>
+              <a:rPr lang="he-IL" sz="1800" dirty="0" err="1">
+                <a:latin typeface="David"/>
+                <a:ea typeface="+mn-lt"/>
+                <a:cs typeface="David"/>
+              </a:rPr>
+              <a:t>test</a:t>
+            </a:r>
+            <a:r>
+              <a:rPr lang="he-IL" sz="1800" dirty="0">
+                <a:latin typeface="David"/>
+                <a:ea typeface="+mn-lt"/>
+                <a:cs typeface="David"/>
+              </a:rPr>
+              <a:t> </a:t>
+            </a:r>
+            <a:r>
+              <a:rPr lang="he-IL" sz="1800" dirty="0" err="1">
+                <a:latin typeface="David"/>
+                <a:ea typeface="+mn-lt"/>
+                <a:cs typeface="David"/>
+              </a:rPr>
+              <a:t>data</a:t>
+            </a:r>
+            <a:r>
+              <a:rPr lang="he-IL" sz="1800" dirty="0">
+                <a:latin typeface="David"/>
+                <a:ea typeface="+mn-lt"/>
+                <a:cs typeface="David"/>
+              </a:rPr>
+              <a:t> = 0.843</a:t>
+            </a:r>
+            <a:endParaRPr lang="he-IL">
+              <a:latin typeface="David"/>
+              <a:ea typeface="+mn-lt"/>
+              <a:cs typeface="David"/>
+            </a:endParaRPr>
+          </a:p>
+          <a:p>
+            <a:pPr>
+              <a:buClr>
+                <a:srgbClr val="558BB8"/>
+              </a:buClr>
+            </a:pPr>
+            <a:r>
+              <a:rPr lang="he-IL" sz="1800" dirty="0" err="1">
+                <a:latin typeface="David"/>
+                <a:ea typeface="+mn-lt"/>
+                <a:cs typeface="David"/>
+              </a:rPr>
+              <a:t>Accuracy</a:t>
+            </a:r>
+            <a:r>
+              <a:rPr lang="he-IL" sz="1800" dirty="0">
+                <a:latin typeface="David"/>
+                <a:ea typeface="+mn-lt"/>
+                <a:cs typeface="David"/>
+              </a:rPr>
+              <a:t> </a:t>
+            </a:r>
+            <a:r>
+              <a:rPr lang="he-IL" sz="1800" dirty="0" err="1">
+                <a:latin typeface="David"/>
+                <a:ea typeface="+mn-lt"/>
+                <a:cs typeface="David"/>
+              </a:rPr>
+              <a:t>on</a:t>
+            </a:r>
+            <a:r>
+              <a:rPr lang="he-IL" sz="1800" dirty="0">
+                <a:latin typeface="David"/>
+                <a:ea typeface="+mn-lt"/>
+                <a:cs typeface="David"/>
+              </a:rPr>
+              <a:t> </a:t>
+            </a:r>
+            <a:r>
+              <a:rPr lang="he-IL" sz="1800" dirty="0" err="1">
+                <a:latin typeface="David"/>
+                <a:ea typeface="+mn-lt"/>
+                <a:cs typeface="David"/>
+              </a:rPr>
+              <a:t>train</a:t>
+            </a:r>
+            <a:r>
+              <a:rPr lang="he-IL" sz="1800" dirty="0">
+                <a:latin typeface="David"/>
+                <a:ea typeface="+mn-lt"/>
+                <a:cs typeface="David"/>
+              </a:rPr>
+              <a:t> </a:t>
+            </a:r>
+            <a:r>
+              <a:rPr lang="he-IL" sz="1800" dirty="0" err="1">
+                <a:latin typeface="David"/>
+                <a:ea typeface="+mn-lt"/>
+                <a:cs typeface="David"/>
+              </a:rPr>
+              <a:t>data</a:t>
+            </a:r>
+            <a:r>
+              <a:rPr lang="he-IL" sz="1800" dirty="0">
+                <a:latin typeface="David"/>
+                <a:ea typeface="+mn-lt"/>
+                <a:cs typeface="David"/>
+              </a:rPr>
+              <a:t> = 0.6417</a:t>
+            </a:r>
+            <a:endParaRPr lang="he-IL" sz="1800">
+              <a:latin typeface="David"/>
+              <a:ea typeface="+mn-lt"/>
+              <a:cs typeface="David"/>
+            </a:endParaRPr>
+          </a:p>
+          <a:p>
+            <a:pPr>
+              <a:buClr>
+                <a:srgbClr val="558BB8"/>
+              </a:buClr>
+            </a:pPr>
+            <a:r>
+              <a:rPr lang="he-IL" sz="1800" dirty="0" err="1">
+                <a:latin typeface="David"/>
+                <a:ea typeface="+mn-lt"/>
+                <a:cs typeface="David"/>
+              </a:rPr>
+              <a:t>We</a:t>
+            </a:r>
+            <a:r>
+              <a:rPr lang="he-IL" sz="1800" dirty="0">
+                <a:latin typeface="David"/>
+                <a:ea typeface="+mn-lt"/>
+                <a:cs typeface="David"/>
+              </a:rPr>
+              <a:t> </a:t>
+            </a:r>
+            <a:r>
+              <a:rPr lang="he-IL" sz="1800" dirty="0" err="1">
+                <a:latin typeface="David"/>
+                <a:ea typeface="+mn-lt"/>
+                <a:cs typeface="David"/>
+              </a:rPr>
+              <a:t>want</a:t>
+            </a:r>
+            <a:r>
+              <a:rPr lang="he-IL" sz="1800" dirty="0">
+                <a:latin typeface="David"/>
+                <a:ea typeface="+mn-lt"/>
+                <a:cs typeface="David"/>
+              </a:rPr>
+              <a:t> </a:t>
+            </a:r>
+            <a:r>
+              <a:rPr lang="he-IL" sz="1800" dirty="0" err="1">
+                <a:latin typeface="David"/>
+                <a:ea typeface="+mn-lt"/>
+                <a:cs typeface="David"/>
+              </a:rPr>
+              <a:t>save</a:t>
+            </a:r>
+            <a:r>
+              <a:rPr lang="he-IL" sz="1800" dirty="0">
+                <a:latin typeface="David"/>
+                <a:ea typeface="+mn-lt"/>
+                <a:cs typeface="David"/>
+              </a:rPr>
+              <a:t> </a:t>
+            </a:r>
+            <a:r>
+              <a:rPr lang="he-IL" sz="1800" dirty="0" err="1">
+                <a:latin typeface="David"/>
+                <a:ea typeface="+mn-lt"/>
+                <a:cs typeface="David"/>
+              </a:rPr>
+              <a:t>the</a:t>
+            </a:r>
+            <a:r>
+              <a:rPr lang="he-IL" sz="1800" dirty="0">
+                <a:latin typeface="David"/>
+                <a:ea typeface="+mn-lt"/>
+                <a:cs typeface="David"/>
+              </a:rPr>
+              <a:t> </a:t>
+            </a:r>
+            <a:r>
+              <a:rPr lang="he-IL" sz="1800" dirty="0" err="1">
+                <a:latin typeface="David"/>
+                <a:ea typeface="+mn-lt"/>
+                <a:cs typeface="David"/>
+              </a:rPr>
+              <a:t>model</a:t>
+            </a:r>
+            <a:r>
+              <a:rPr lang="he-IL" sz="1800" dirty="0">
+                <a:latin typeface="David"/>
+                <a:ea typeface="+mn-lt"/>
+                <a:cs typeface="David"/>
+              </a:rPr>
+              <a:t> </a:t>
+            </a:r>
+            <a:r>
+              <a:rPr lang="he-IL" sz="1800" dirty="0" err="1">
+                <a:latin typeface="David"/>
+                <a:ea typeface="+mn-lt"/>
+                <a:cs typeface="David"/>
+              </a:rPr>
+              <a:t>and</a:t>
+            </a:r>
+            <a:r>
+              <a:rPr lang="he-IL" sz="1800" dirty="0">
+                <a:latin typeface="David"/>
+                <a:ea typeface="+mn-lt"/>
+                <a:cs typeface="David"/>
+              </a:rPr>
+              <a:t> </a:t>
+            </a:r>
+            <a:r>
+              <a:rPr lang="he-IL" sz="1800" dirty="0" err="1">
+                <a:latin typeface="David"/>
+                <a:ea typeface="+mn-lt"/>
+                <a:cs typeface="David"/>
+              </a:rPr>
+              <a:t>we</a:t>
+            </a:r>
+            <a:r>
+              <a:rPr lang="he-IL" sz="1800" dirty="0">
+                <a:latin typeface="David"/>
+                <a:ea typeface="+mn-lt"/>
+                <a:cs typeface="David"/>
+              </a:rPr>
+              <a:t> </a:t>
+            </a:r>
+            <a:r>
+              <a:rPr lang="he-IL" sz="1800" dirty="0" err="1">
+                <a:latin typeface="David"/>
+                <a:ea typeface="+mn-lt"/>
+                <a:cs typeface="David"/>
+              </a:rPr>
+              <a:t>will</a:t>
+            </a:r>
+            <a:r>
+              <a:rPr lang="he-IL" sz="1800" dirty="0">
+                <a:latin typeface="David"/>
+                <a:ea typeface="+mn-lt"/>
+                <a:cs typeface="David"/>
+              </a:rPr>
+              <a:t> </a:t>
+            </a:r>
+            <a:r>
+              <a:rPr lang="he-IL" sz="1800" dirty="0" err="1">
+                <a:latin typeface="David"/>
+                <a:ea typeface="+mn-lt"/>
+                <a:cs typeface="David"/>
+              </a:rPr>
+              <a:t>use</a:t>
+            </a:r>
+            <a:r>
+              <a:rPr lang="he-IL" sz="1800" dirty="0">
+                <a:latin typeface="David"/>
+                <a:ea typeface="+mn-lt"/>
+                <a:cs typeface="David"/>
+              </a:rPr>
+              <a:t> </a:t>
+            </a:r>
+            <a:r>
+              <a:rPr lang="he-IL" sz="1800" dirty="0" err="1">
+                <a:latin typeface="David"/>
+                <a:ea typeface="+mn-lt"/>
+                <a:cs typeface="David"/>
+              </a:rPr>
+              <a:t>it</a:t>
+            </a:r>
+            <a:r>
+              <a:rPr lang="he-IL" sz="1800" dirty="0">
+                <a:latin typeface="David"/>
+                <a:ea typeface="+mn-lt"/>
+                <a:cs typeface="David"/>
+              </a:rPr>
+              <a:t> </a:t>
+            </a:r>
+            <a:r>
+              <a:rPr lang="he-IL" sz="1800" dirty="0" err="1">
+                <a:latin typeface="David"/>
+                <a:ea typeface="+mn-lt"/>
+                <a:cs typeface="David"/>
+              </a:rPr>
+              <a:t>for</a:t>
+            </a:r>
+            <a:r>
+              <a:rPr lang="he-IL" sz="1800" dirty="0">
+                <a:latin typeface="David"/>
+                <a:ea typeface="+mn-lt"/>
+                <a:cs typeface="David"/>
+              </a:rPr>
+              <a:t> </a:t>
+            </a:r>
+            <a:r>
+              <a:rPr lang="he-IL" sz="1800" dirty="0" err="1">
+                <a:latin typeface="David"/>
+                <a:ea typeface="+mn-lt"/>
+                <a:cs typeface="David"/>
+              </a:rPr>
+              <a:t>our</a:t>
+            </a:r>
+            <a:r>
+              <a:rPr lang="he-IL" sz="1800" dirty="0">
+                <a:latin typeface="David"/>
+                <a:ea typeface="+mn-lt"/>
+                <a:cs typeface="David"/>
+              </a:rPr>
+              <a:t> </a:t>
+            </a:r>
+            <a:r>
+              <a:rPr lang="he-IL" sz="1800" dirty="0" err="1">
+                <a:latin typeface="David"/>
+                <a:ea typeface="+mn-lt"/>
+                <a:cs typeface="David"/>
+              </a:rPr>
+              <a:t>needs</a:t>
+            </a:r>
+            <a:endParaRPr lang="he-IL" sz="1800">
+              <a:latin typeface="David"/>
+              <a:cs typeface="David"/>
+            </a:endParaRPr>
+          </a:p>
+          <a:p>
+            <a:pPr marL="285750"/>
+            <a:endParaRPr lang="en-US" sz="1800" dirty="0">
+              <a:latin typeface="David"/>
+              <a:cs typeface="David"/>
+            </a:endParaRPr>
+          </a:p>
+          <a:p>
+            <a:endParaRPr lang="en-US" sz="1800" dirty="0">
+              <a:latin typeface="David"/>
+              <a:cs typeface="David"/>
+            </a:endParaRPr>
+          </a:p>
+          <a:p>
+            <a:endParaRPr lang="en-US" sz="1800" dirty="0">
+              <a:latin typeface="David"/>
+              <a:cs typeface="David"/>
+            </a:endParaRPr>
+          </a:p>
+          <a:p>
+            <a:pPr marL="285750"/>
+            <a:endParaRPr lang="en-US" sz="1800" dirty="0">
+              <a:latin typeface="David"/>
+              <a:cs typeface="David"/>
+            </a:endParaRPr>
+          </a:p>
+          <a:p>
+            <a:pPr marL="285750"/>
+            <a:endParaRPr lang="en-US" sz="1800" dirty="0">
+              <a:latin typeface="David"/>
+              <a:cs typeface="David"/>
+            </a:endParaRPr>
+          </a:p>
+          <a:p>
+            <a:pPr lvl="1"/>
+            <a:endParaRPr lang="en-US" dirty="0">
+              <a:latin typeface="David"/>
+              <a:cs typeface="David"/>
+            </a:endParaRPr>
+          </a:p>
+          <a:p>
+            <a:endParaRPr lang="en-US" sz="1800" dirty="0">
+              <a:latin typeface="David"/>
+              <a:cs typeface="David"/>
+            </a:endParaRPr>
+          </a:p>
+          <a:p>
+            <a:endParaRPr lang="en-US" sz="1800" dirty="0">
+              <a:latin typeface="David"/>
+              <a:cs typeface="David"/>
+            </a:endParaRPr>
+          </a:p>
+          <a:p>
+            <a:endParaRPr lang="en-US" sz="1800" dirty="0">
+              <a:latin typeface="David"/>
+              <a:cs typeface="David"/>
+            </a:endParaRPr>
+          </a:p>
+          <a:p>
+            <a:pPr marL="274320" lvl="1"/>
+            <a:endParaRPr lang="en-US" dirty="0">
+              <a:latin typeface="David"/>
+              <a:cs typeface="David"/>
+            </a:endParaRPr>
+          </a:p>
+        </p:txBody>
+      </p:sp>
+      <p:sp>
+        <p:nvSpPr>
+          <p:cNvPr id="2" name="מציין מיקום תוכן 2">
+            <a:extLst>
+              <a:ext uri="{FF2B5EF4-FFF2-40B4-BE49-F238E27FC236}">
+                <a16:creationId xmlns:a16="http://schemas.microsoft.com/office/drawing/2014/main" id="{F46319E8-7518-489F-B265-ADB80136E5E7}"/>
+              </a:ext>
+            </a:extLst>
+          </p:cNvPr>
+          <p:cNvSpPr txBox="1">
+            <a:spLocks/>
+          </p:cNvSpPr>
+          <p:nvPr/>
+        </p:nvSpPr>
+        <p:spPr>
+          <a:xfrm>
+            <a:off x="6971178" y="414867"/>
+            <a:ext cx="4534781" cy="6221553"/>
+          </a:xfrm>
+          <a:prstGeom prst="rect">
+            <a:avLst/>
+          </a:prstGeom>
+        </p:spPr>
+        <p:txBody>
+          <a:bodyPr vert="horz" lIns="91440" tIns="45720" rIns="91440" bIns="45720" rtlCol="0" anchor="t">
+            <a:noAutofit/>
+          </a:bodyPr>
+          <a:lstStyle>
+            <a:lvl1pPr marL="182880" indent="-182880" algn="l" defTabSz="914400" rtl="0" eaLnBrk="1" latinLnBrk="0" hangingPunct="1">
+              <a:lnSpc>
+                <a:spcPct val="90000"/>
+              </a:lnSpc>
+              <a:spcBef>
+                <a:spcPts val="1200"/>
+              </a:spcBef>
+              <a:buClr>
+                <a:schemeClr val="accent1">
+                  <a:lumMod val="75000"/>
+                </a:schemeClr>
+              </a:buClr>
+              <a:buSzPct val="85000"/>
+              <a:buFont typeface="Wingdings" pitchFamily="2" charset="2"/>
+              <a:buChar char="§"/>
+              <a:defRPr sz="2000" kern="1200">
+                <a:solidFill>
+                  <a:schemeClr val="tx1"/>
+                </a:solidFill>
+                <a:latin typeface="+mn-lt"/>
+                <a:ea typeface="+mn-ea"/>
+                <a:cs typeface="+mn-cs"/>
+              </a:defRPr>
+            </a:lvl1pPr>
+            <a:lvl2pPr marL="457200" indent="-182880" algn="l" defTabSz="914400" rtl="0" eaLnBrk="1" latinLnBrk="0" hangingPunct="1">
+              <a:lnSpc>
+                <a:spcPct val="90000"/>
+              </a:lnSpc>
+              <a:spcBef>
+                <a:spcPts val="400"/>
+              </a:spcBef>
+              <a:spcAft>
+                <a:spcPts val="200"/>
+              </a:spcAft>
+              <a:buClr>
+                <a:schemeClr val="accent1">
+                  <a:lumMod val="75000"/>
+                </a:schemeClr>
+              </a:buClr>
+              <a:buSzPct val="85000"/>
+              <a:buFont typeface="Wingdings" pitchFamily="2" charset="2"/>
+              <a:buChar char="§"/>
+              <a:defRPr sz="1800" kern="1200">
+                <a:solidFill>
+                  <a:schemeClr val="tx1"/>
+                </a:solidFill>
+                <a:latin typeface="+mn-lt"/>
+                <a:ea typeface="+mn-ea"/>
+                <a:cs typeface="+mn-cs"/>
+              </a:defRPr>
+            </a:lvl2pPr>
+            <a:lvl3pPr marL="731520" indent="-182880" algn="l" defTabSz="914400" rtl="0" eaLnBrk="1" latinLnBrk="0" hangingPunct="1">
+              <a:lnSpc>
+                <a:spcPct val="90000"/>
+              </a:lnSpc>
+              <a:spcBef>
+                <a:spcPts val="400"/>
+              </a:spcBef>
+              <a:spcAft>
+                <a:spcPts val="200"/>
+              </a:spcAft>
+              <a:buClr>
+                <a:schemeClr val="accent1">
+                  <a:lumMod val="75000"/>
+                </a:schemeClr>
+              </a:buClr>
+              <a:buSzPct val="85000"/>
+              <a:buFont typeface="Wingdings" pitchFamily="2" charset="2"/>
+              <a:buChar char="§"/>
+              <a:defRPr sz="1600" kern="1200">
+                <a:solidFill>
+                  <a:schemeClr val="tx1"/>
+                </a:solidFill>
+                <a:latin typeface="+mn-lt"/>
+                <a:ea typeface="+mn-ea"/>
+                <a:cs typeface="+mn-cs"/>
+              </a:defRPr>
+            </a:lvl3pPr>
+            <a:lvl4pPr marL="1005840" indent="-182880" algn="l" defTabSz="914400" rtl="0" eaLnBrk="1" latinLnBrk="0" hangingPunct="1">
+              <a:lnSpc>
+                <a:spcPct val="90000"/>
+              </a:lnSpc>
+              <a:spcBef>
+                <a:spcPts val="400"/>
+              </a:spcBef>
+              <a:spcAft>
+                <a:spcPts val="200"/>
+              </a:spcAft>
+              <a:buClr>
+                <a:schemeClr val="accent1">
+                  <a:lumMod val="75000"/>
+                </a:schemeClr>
+              </a:buClr>
+              <a:buSzPct val="85000"/>
+              <a:buFont typeface="Wingdings" pitchFamily="2" charset="2"/>
+              <a:buChar char="§"/>
+              <a:defRPr sz="1600" kern="1200">
+                <a:solidFill>
+                  <a:schemeClr val="tx1"/>
+                </a:solidFill>
+                <a:latin typeface="+mn-lt"/>
+                <a:ea typeface="+mn-ea"/>
+                <a:cs typeface="+mn-cs"/>
+              </a:defRPr>
+            </a:lvl4pPr>
+            <a:lvl5pPr marL="1280160" indent="-182880" algn="l" defTabSz="914400" rtl="0" eaLnBrk="1" latinLnBrk="0" hangingPunct="1">
+              <a:lnSpc>
+                <a:spcPct val="90000"/>
+              </a:lnSpc>
+              <a:spcBef>
+                <a:spcPts val="400"/>
+              </a:spcBef>
+              <a:spcAft>
+                <a:spcPts val="200"/>
+              </a:spcAft>
+              <a:buClr>
+                <a:schemeClr val="accent1">
+                  <a:lumMod val="75000"/>
+                </a:schemeClr>
+              </a:buClr>
+              <a:buSzPct val="85000"/>
+              <a:buFont typeface="Wingdings" pitchFamily="2" charset="2"/>
+              <a:buChar char="§"/>
+              <a:defRPr sz="1600" kern="1200">
+                <a:solidFill>
+                  <a:schemeClr val="tx1"/>
+                </a:solidFill>
+                <a:latin typeface="+mn-lt"/>
+                <a:ea typeface="+mn-ea"/>
+                <a:cs typeface="+mn-cs"/>
+              </a:defRPr>
+            </a:lvl5pPr>
+            <a:lvl6pPr marL="1600000" indent="-228600" algn="l" defTabSz="914400" rtl="0" eaLnBrk="1" latinLnBrk="0" hangingPunct="1">
+              <a:lnSpc>
+                <a:spcPct val="90000"/>
+              </a:lnSpc>
+              <a:spcBef>
+                <a:spcPts val="400"/>
+              </a:spcBef>
+              <a:spcAft>
+                <a:spcPts val="200"/>
+              </a:spcAft>
+              <a:buClr>
+                <a:schemeClr val="accent1">
+                  <a:lumMod val="75000"/>
+                </a:schemeClr>
+              </a:buClr>
+              <a:buSzPct val="85000"/>
+              <a:buFont typeface="Wingdings" pitchFamily="2" charset="2"/>
+              <a:buChar char="§"/>
+              <a:defRPr sz="1600" kern="1200">
+                <a:solidFill>
+                  <a:schemeClr val="tx1"/>
+                </a:solidFill>
+                <a:latin typeface="+mn-lt"/>
+                <a:ea typeface="+mn-ea"/>
+                <a:cs typeface="+mn-cs"/>
+              </a:defRPr>
+            </a:lvl6pPr>
+            <a:lvl7pPr marL="1900000" indent="-228600" algn="l" defTabSz="914400" rtl="0" eaLnBrk="1" latinLnBrk="0" hangingPunct="1">
+              <a:lnSpc>
+                <a:spcPct val="90000"/>
+              </a:lnSpc>
+              <a:spcBef>
+                <a:spcPts val="400"/>
+              </a:spcBef>
+              <a:spcAft>
+                <a:spcPts val="200"/>
+              </a:spcAft>
+              <a:buClr>
+                <a:schemeClr val="accent1">
+                  <a:lumMod val="75000"/>
+                </a:schemeClr>
+              </a:buClr>
+              <a:buSzPct val="85000"/>
+              <a:buFont typeface="Wingdings" pitchFamily="2" charset="2"/>
+              <a:buChar char="§"/>
+              <a:defRPr sz="1600" kern="1200">
+                <a:solidFill>
+                  <a:schemeClr val="tx1"/>
+                </a:solidFill>
+                <a:latin typeface="+mn-lt"/>
+                <a:ea typeface="+mn-ea"/>
+                <a:cs typeface="+mn-cs"/>
+              </a:defRPr>
+            </a:lvl7pPr>
+            <a:lvl8pPr marL="2200000" indent="-228600" algn="l" defTabSz="914400" rtl="0" eaLnBrk="1" latinLnBrk="0" hangingPunct="1">
+              <a:lnSpc>
+                <a:spcPct val="90000"/>
+              </a:lnSpc>
+              <a:spcBef>
+                <a:spcPts val="400"/>
+              </a:spcBef>
+              <a:spcAft>
+                <a:spcPts val="200"/>
+              </a:spcAft>
+              <a:buClr>
+                <a:schemeClr val="accent1">
+                  <a:lumMod val="75000"/>
+                </a:schemeClr>
+              </a:buClr>
+              <a:buSzPct val="85000"/>
+              <a:buFont typeface="Wingdings" pitchFamily="2" charset="2"/>
+              <a:buChar char="§"/>
+              <a:defRPr sz="1600" kern="1200">
+                <a:solidFill>
+                  <a:schemeClr val="tx1"/>
+                </a:solidFill>
+                <a:latin typeface="+mn-lt"/>
+                <a:ea typeface="+mn-ea"/>
+                <a:cs typeface="+mn-cs"/>
+              </a:defRPr>
+            </a:lvl8pPr>
+            <a:lvl9pPr marL="2500000" indent="-228600" algn="l" defTabSz="914400" rtl="0" eaLnBrk="1" latinLnBrk="0" hangingPunct="1">
+              <a:lnSpc>
+                <a:spcPct val="90000"/>
+              </a:lnSpc>
+              <a:spcBef>
+                <a:spcPts val="400"/>
+              </a:spcBef>
+              <a:spcAft>
+                <a:spcPts val="200"/>
+              </a:spcAft>
+              <a:buClr>
+                <a:schemeClr val="accent1">
+                  <a:lumMod val="75000"/>
+                </a:schemeClr>
+              </a:buClr>
+              <a:buSzPct val="85000"/>
+              <a:buFont typeface="Wingdings" pitchFamily="2" charset="2"/>
+              <a:buChar char="§"/>
+              <a:defRPr sz="1600" kern="1200">
+                <a:solidFill>
+                  <a:schemeClr val="tx1"/>
+                </a:solidFill>
+                <a:latin typeface="+mn-lt"/>
+                <a:ea typeface="+mn-ea"/>
+                <a:cs typeface="+mn-cs"/>
+              </a:defRPr>
+            </a:lvl9pPr>
+          </a:lstStyle>
+          <a:p>
+            <a:pPr marL="285750" indent="-285750">
+              <a:buClr>
+                <a:srgbClr val="558BB8"/>
+              </a:buClr>
+            </a:pPr>
+            <a:endParaRPr lang="he-IL" dirty="0">
+              <a:latin typeface="David"/>
+              <a:ea typeface="+mn-lt"/>
+              <a:cs typeface="David"/>
+            </a:endParaRPr>
+          </a:p>
+          <a:p>
+            <a:pPr>
+              <a:buClr>
+                <a:srgbClr val="558BB8"/>
+              </a:buClr>
+            </a:pPr>
+            <a:endParaRPr lang="he-IL" dirty="0">
+              <a:latin typeface="David"/>
+              <a:cs typeface="David"/>
+            </a:endParaRPr>
+          </a:p>
+          <a:p>
+            <a:pPr marL="285750" indent="-285750">
+              <a:buClr>
+                <a:srgbClr val="558BB8"/>
+              </a:buClr>
+            </a:pPr>
+            <a:endParaRPr lang="he-IL" dirty="0">
+              <a:latin typeface="David"/>
+              <a:cs typeface="David"/>
+            </a:endParaRPr>
+          </a:p>
+          <a:p>
+            <a:pPr marL="285750" indent="-285750">
+              <a:buClr>
+                <a:srgbClr val="558BB8"/>
+              </a:buClr>
+            </a:pPr>
+            <a:endParaRPr lang="he-IL" dirty="0">
+              <a:latin typeface="David"/>
+              <a:cs typeface="David"/>
+            </a:endParaRPr>
+          </a:p>
+          <a:p>
+            <a:pPr lvl="1">
+              <a:buClr>
+                <a:srgbClr val="558BB8"/>
+              </a:buClr>
+            </a:pPr>
+            <a:endParaRPr lang="he-IL" sz="2000" dirty="0">
+              <a:latin typeface="David"/>
+              <a:cs typeface="David"/>
+            </a:endParaRPr>
+          </a:p>
+          <a:p>
+            <a:pPr>
+              <a:buClr>
+                <a:srgbClr val="558BB8"/>
+              </a:buClr>
+            </a:pPr>
+            <a:endParaRPr lang="he-IL" dirty="0">
+              <a:latin typeface="David"/>
+              <a:cs typeface="David"/>
+            </a:endParaRPr>
+          </a:p>
+          <a:p>
+            <a:pPr>
+              <a:buClr>
+                <a:srgbClr val="558BB8"/>
+              </a:buClr>
+            </a:pPr>
+            <a:endParaRPr lang="he-IL" dirty="0">
+              <a:latin typeface="David"/>
+              <a:cs typeface="David"/>
+            </a:endParaRPr>
+          </a:p>
+          <a:p>
+            <a:pPr>
+              <a:buClr>
+                <a:srgbClr val="558BB8"/>
+              </a:buClr>
+            </a:pPr>
+            <a:endParaRPr lang="he-IL" dirty="0">
+              <a:latin typeface="David"/>
+              <a:cs typeface="David"/>
+            </a:endParaRPr>
+          </a:p>
+          <a:p>
+            <a:pPr marL="274320" lvl="1" indent="0">
+              <a:buClr>
+                <a:srgbClr val="94B6D2">
+                  <a:lumMod val="75000"/>
+                </a:srgbClr>
+              </a:buClr>
+              <a:buFont typeface="Wingdings" pitchFamily="2" charset="2"/>
+              <a:buNone/>
+            </a:pPr>
+            <a:endParaRPr lang="he-IL" sz="2000" dirty="0">
+              <a:latin typeface="David"/>
+              <a:cs typeface="David"/>
+            </a:endParaRPr>
+          </a:p>
+        </p:txBody>
+      </p:sp>
+      <p:sp>
+        <p:nvSpPr>
+          <p:cNvPr id="18" name="כותרת 1">
+            <a:extLst>
+              <a:ext uri="{FF2B5EF4-FFF2-40B4-BE49-F238E27FC236}">
+                <a16:creationId xmlns:a16="http://schemas.microsoft.com/office/drawing/2014/main" id="{08466792-B109-42C4-BEDF-816397B5D587}"/>
+              </a:ext>
+            </a:extLst>
+          </p:cNvPr>
+          <p:cNvSpPr txBox="1">
+            <a:spLocks/>
+          </p:cNvSpPr>
+          <p:nvPr/>
+        </p:nvSpPr>
+        <p:spPr>
+          <a:xfrm>
+            <a:off x="6454709" y="522661"/>
+            <a:ext cx="4657847" cy="2210065"/>
+          </a:xfrm>
+          <a:prstGeom prst="rect">
+            <a:avLst/>
+          </a:prstGeom>
+        </p:spPr>
+        <p:txBody>
+          <a:bodyPr vert="horz" lIns="91440" tIns="45720" rIns="91440" bIns="45720" rtlCol="0" anchor="t">
+            <a:normAutofit/>
+          </a:bodyPr>
+          <a:lstStyle>
+            <a:lvl1pPr algn="l" defTabSz="914400" rtl="0" eaLnBrk="1" latinLnBrk="0" hangingPunct="1">
+              <a:lnSpc>
+                <a:spcPct val="90000"/>
+              </a:lnSpc>
+              <a:spcBef>
+                <a:spcPct val="0"/>
+              </a:spcBef>
+              <a:buNone/>
+              <a:defRPr sz="4800" b="1" kern="1200" cap="none" baseline="0">
+                <a:blipFill>
+                  <a:blip r:embed="rId5">
+                    <a:extLst>
+                      <a:ext uri="{28A0092B-C50C-407E-A947-70E740481C1C}">
+                        <a14:useLocalDpi xmlns:a14="http://schemas.microsoft.com/office/drawing/2010/main" val="0"/>
+                      </a:ext>
+                    </a:extLst>
+                  </a:blip>
+                  <a:tile tx="6350" ty="-127000" sx="65000" sy="64000" flip="none" algn="tl"/>
+                </a:blipFill>
+                <a:latin typeface="+mj-lt"/>
+                <a:ea typeface="+mj-ea"/>
+                <a:cs typeface="+mj-cs"/>
+              </a:defRPr>
+            </a:lvl1pPr>
+          </a:lstStyle>
+          <a:p>
+            <a:r>
+              <a:rPr lang="en-US" dirty="0">
+                <a:latin typeface="David"/>
+                <a:ea typeface="+mj-lt"/>
+                <a:cs typeface="+mj-lt"/>
+              </a:rPr>
+              <a:t>Step </a:t>
+            </a:r>
+            <a:r>
+              <a:rPr lang="en-US" dirty="0">
+                <a:latin typeface="David"/>
+                <a:ea typeface="+mj-lt"/>
+                <a:cs typeface="David"/>
+              </a:rPr>
+              <a:t>-</a:t>
+            </a:r>
+            <a:r>
+              <a:rPr lang="en-US" dirty="0">
+                <a:latin typeface="David"/>
+                <a:ea typeface="+mj-lt"/>
+                <a:cs typeface="+mj-lt"/>
+              </a:rPr>
+              <a:t> 6</a:t>
+            </a:r>
+            <a:endParaRPr lang="he-IL" dirty="0">
+              <a:latin typeface="David"/>
+              <a:ea typeface="+mj-lt"/>
+              <a:cs typeface="David"/>
+            </a:endParaRPr>
+          </a:p>
+          <a:p>
+            <a:r>
+              <a:rPr lang="he-IL" dirty="0" err="1">
+                <a:latin typeface="David"/>
+                <a:ea typeface="+mj-lt"/>
+                <a:cs typeface="David"/>
+              </a:rPr>
+              <a:t>Conclusions</a:t>
+            </a:r>
+            <a:endParaRPr lang="he-IL">
+              <a:latin typeface="David"/>
+              <a:ea typeface="+mj-lt"/>
+              <a:cs typeface="David"/>
+            </a:endParaRPr>
+          </a:p>
+          <a:p>
+            <a:endParaRPr lang="en-US" dirty="0">
+              <a:latin typeface="David"/>
+              <a:ea typeface="+mj-lt"/>
+              <a:cs typeface="+mj-lt"/>
+            </a:endParaRPr>
+          </a:p>
+          <a:p>
+            <a:pPr marL="285750" indent="-182880">
+              <a:spcAft>
+                <a:spcPts val="600"/>
+              </a:spcAft>
+              <a:buFont typeface="Wingdings,Sans-Serif"/>
+              <a:buChar char="§"/>
+            </a:pPr>
+            <a:endParaRPr lang="en-US" dirty="0">
+              <a:latin typeface="David"/>
+              <a:ea typeface="+mj-lt"/>
+              <a:cs typeface="+mj-lt"/>
+            </a:endParaRPr>
+          </a:p>
+          <a:p>
+            <a:pPr marL="285750" indent="-182880">
+              <a:spcAft>
+                <a:spcPts val="600"/>
+              </a:spcAft>
+              <a:buFont typeface="Wingdings,Sans-Serif"/>
+              <a:buChar char="§"/>
+            </a:pPr>
+            <a:endParaRPr lang="en-US" dirty="0">
+              <a:latin typeface="David"/>
+              <a:ea typeface="+mj-lt"/>
+              <a:cs typeface="+mj-lt"/>
+            </a:endParaRPr>
+          </a:p>
+          <a:p>
+            <a:pPr marL="285750" indent="-182880">
+              <a:spcAft>
+                <a:spcPts val="600"/>
+              </a:spcAft>
+              <a:buFont typeface="Wingdings,Sans-Serif"/>
+              <a:buChar char="§"/>
+            </a:pPr>
+            <a:endParaRPr lang="en-US" dirty="0">
+              <a:latin typeface="David"/>
+              <a:ea typeface="+mj-lt"/>
+              <a:cs typeface="+mj-lt"/>
+            </a:endParaRPr>
+          </a:p>
+          <a:p>
+            <a:endParaRPr lang="en-US" dirty="0">
+              <a:latin typeface="David"/>
+              <a:ea typeface="+mj-lt"/>
+              <a:cs typeface="+mj-lt"/>
+            </a:endParaRPr>
+          </a:p>
+          <a:p>
+            <a:endParaRPr lang="en-US" dirty="0">
+              <a:latin typeface="David"/>
+              <a:cs typeface="David"/>
+            </a:endParaRPr>
+          </a:p>
+          <a:p>
+            <a:endParaRPr lang="he-IL" dirty="0">
+              <a:latin typeface="David"/>
+              <a:cs typeface="David"/>
+            </a:endParaRPr>
+          </a:p>
+        </p:txBody>
+      </p:sp>
+    </p:spTree>
+    <p:extLst>
+      <p:ext uri="{BB962C8B-B14F-4D97-AF65-F5344CB8AC3E}">
+        <p14:creationId xmlns:p14="http://schemas.microsoft.com/office/powerpoint/2010/main" val="2726165519"/>
+      </p:ext>
+    </p:extLst>
+  </p:cSld>
+  <p:clrMapOvr>
+    <a:masterClrMapping/>
+  </p:clrMapOvr>
+</p:sld>
+</file>
+
+<file path=ppt/slides/slide19.xml><?xml version="1.0" encoding="utf-8"?>
+<p:sld xmlns:a="http://schemas.openxmlformats.org/drawingml/2006/main" xmlns:r="http://schemas.openxmlformats.org/officeDocument/2006/relationships" xmlns:p="http://schemas.openxmlformats.org/presentationml/2006/main">
+  <p:cSld>
+    <p:bg>
+      <p:bgPr>
+        <a:solidFill>
+          <a:schemeClr val="bg1"/>
+        </a:solidFill>
+        <a:effectLst/>
+      </p:bgPr>
+    </p:bg>
+    <p:spTree>
+      <p:nvGrpSpPr>
+        <p:cNvPr id="1" name=""/>
+        <p:cNvGrpSpPr/>
+        <p:nvPr/>
+      </p:nvGrpSpPr>
+      <p:grpSpPr>
+        <a:xfrm>
+          <a:off x="0" y="0"/>
+          <a:ext cx="0" cy="0"/>
+          <a:chOff x="0" y="0"/>
+          <a:chExt cx="0" cy="0"/>
+        </a:xfrm>
+      </p:grpSpPr>
+      <p:sp>
+        <p:nvSpPr>
+          <p:cNvPr id="53" name="Rectangle 55">
+            <a:extLst>
+              <a:ext uri="{FF2B5EF4-FFF2-40B4-BE49-F238E27FC236}">
+                <a16:creationId xmlns:a16="http://schemas.microsoft.com/office/drawing/2014/main" id="{75E3D2E7-AD93-44A1-8BC6-0E1343A3E445}"/>
+              </a:ext>
+              <a:ext uri="{C183D7F6-B498-43B3-948B-1728B52AA6E4}">
+                <adec:decorative xmlns:adec="http://schemas.microsoft.com/office/drawing/2017/decorative" val="1"/>
+              </a:ext>
+            </a:extLst>
+          </p:cNvPr>
+          <p:cNvSpPr>
+            <a:spLocks noGrp="1" noRot="1" noChangeAspect="1" noMove="1" noResize="1" noEditPoints="1" noAdjustHandles="1" noChangeArrowheads="1" noChangeShapeType="1" noTextEdit="1"/>
+          </p:cNvSpPr>
+          <p:nvPr>
+            <p:extLst>
+              <p:ext uri="{386F3935-93C4-4BCD-93E2-E3B085C9AB24}">
+                <p16:designElem xmlns:p16="http://schemas.microsoft.com/office/powerpoint/2015/main" val="1"/>
+              </p:ext>
+            </p:extLst>
+          </p:nvPr>
+        </p:nvSpPr>
+        <p:spPr>
+          <a:xfrm>
+            <a:off x="920834" y="1346946"/>
+            <a:ext cx="10222992" cy="80683"/>
+          </a:xfrm>
+          <a:prstGeom prst="rect">
+            <a:avLst/>
+          </a:prstGeom>
+          <a:blipFill dpi="0" rotWithShape="1">
+            <a:blip r:embed="rId2">
+              <a:alphaModFix amt="83000"/>
+              <a:lum bright="70000" contrast="-70000"/>
+              <a:extLst>
+                <a:ext uri="{BEBA8EAE-BF5A-486C-A8C5-ECC9F3942E4B}">
+                  <a14:imgProps xmlns:a14="http://schemas.microsoft.com/office/drawing/2010/main">
+                    <a14:imgLayer r:embed="rId3">
+                      <a14:imgEffect>
+                        <a14:sharpenSoften amount="61000"/>
+                      </a14:imgEffect>
+                    </a14:imgLayer>
+                  </a14:imgProps>
+                </a:ext>
+                <a:ext uri="{28A0092B-C50C-407E-A947-70E740481C1C}">
+                  <a14:useLocalDpi xmlns:a14="http://schemas.microsoft.com/office/drawing/2010/main" val="0"/>
+                </a:ext>
+              </a:extLst>
+            </a:blip>
+            <a:srcRect/>
+            <a:tile tx="0" ty="-762000" sx="92000" sy="89000" flip="xy" algn="ctr"/>
+          </a:blipFill>
+          <a:ln>
+            <a:noFill/>
+          </a:ln>
+        </p:spPr>
+        <p:style>
+          <a:lnRef idx="2">
+            <a:schemeClr val="accent1">
+              <a:shade val="50000"/>
+            </a:schemeClr>
+          </a:lnRef>
+          <a:fillRef idx="1">
+            <a:schemeClr val="accent1"/>
+          </a:fillRef>
+          <a:effectRef idx="0">
+            <a:schemeClr val="accent1"/>
+          </a:effectRef>
+          <a:fontRef idx="minor">
+            <a:schemeClr val="lt1"/>
+          </a:fontRef>
+        </p:style>
+      </p:sp>
+      <p:sp>
+        <p:nvSpPr>
+          <p:cNvPr id="54" name="Rectangle 57">
+            <a:extLst>
+              <a:ext uri="{FF2B5EF4-FFF2-40B4-BE49-F238E27FC236}">
+                <a16:creationId xmlns:a16="http://schemas.microsoft.com/office/drawing/2014/main" id="{9CC5271D-3244-41E2-B819-CBCB46B719A3}"/>
+              </a:ext>
+              <a:ext uri="{C183D7F6-B498-43B3-948B-1728B52AA6E4}">
+                <adec:decorative xmlns:adec="http://schemas.microsoft.com/office/drawing/2017/decorative" val="1"/>
+              </a:ext>
+            </a:extLst>
+          </p:cNvPr>
+          <p:cNvSpPr>
+            <a:spLocks noGrp="1" noRot="1" noChangeAspect="1" noMove="1" noResize="1" noEditPoints="1" noAdjustHandles="1" noChangeArrowheads="1" noChangeShapeType="1" noTextEdit="1"/>
+          </p:cNvSpPr>
+          <p:nvPr>
+            <p:extLst>
+              <p:ext uri="{386F3935-93C4-4BCD-93E2-E3B085C9AB24}">
+                <p16:designElem xmlns:p16="http://schemas.microsoft.com/office/powerpoint/2015/main" val="1"/>
+              </p:ext>
+            </p:extLst>
+          </p:nvPr>
+        </p:nvSpPr>
+        <p:spPr>
+          <a:xfrm>
+            <a:off x="920834" y="4299696"/>
+            <a:ext cx="10222992" cy="80683"/>
+          </a:xfrm>
+          <a:prstGeom prst="rect">
+            <a:avLst/>
+          </a:prstGeom>
+          <a:blipFill dpi="0" rotWithShape="1">
+            <a:blip r:embed="rId2">
+              <a:alphaModFix amt="83000"/>
+              <a:lum bright="70000" contrast="-70000"/>
+              <a:extLst>
+                <a:ext uri="{BEBA8EAE-BF5A-486C-A8C5-ECC9F3942E4B}">
+                  <a14:imgProps xmlns:a14="http://schemas.microsoft.com/office/drawing/2010/main">
+                    <a14:imgLayer r:embed="rId3">
+                      <a14:imgEffect>
+                        <a14:sharpenSoften amount="61000"/>
+                      </a14:imgEffect>
+                    </a14:imgLayer>
+                  </a14:imgProps>
+                </a:ext>
+                <a:ext uri="{28A0092B-C50C-407E-A947-70E740481C1C}">
+                  <a14:useLocalDpi xmlns:a14="http://schemas.microsoft.com/office/drawing/2010/main" val="0"/>
+                </a:ext>
+              </a:extLst>
+            </a:blip>
+            <a:srcRect/>
+            <a:tile tx="0" ty="-717550" sx="92000" sy="89000" flip="xy" algn="ctr"/>
+          </a:blipFill>
+          <a:ln>
+            <a:noFill/>
+          </a:ln>
+        </p:spPr>
+        <p:style>
+          <a:lnRef idx="2">
+            <a:schemeClr val="accent1">
+              <a:shade val="50000"/>
+            </a:schemeClr>
+          </a:lnRef>
+          <a:fillRef idx="1">
+            <a:schemeClr val="accent1"/>
+          </a:fillRef>
+          <a:effectRef idx="0">
+            <a:schemeClr val="accent1"/>
+          </a:effectRef>
+          <a:fontRef idx="minor">
+            <a:schemeClr val="lt1"/>
+          </a:fontRef>
+        </p:style>
+      </p:sp>
+      <p:sp>
+        <p:nvSpPr>
+          <p:cNvPr id="55" name="Rectangle 59">
+            <a:extLst>
+              <a:ext uri="{FF2B5EF4-FFF2-40B4-BE49-F238E27FC236}">
+                <a16:creationId xmlns:a16="http://schemas.microsoft.com/office/drawing/2014/main" id="{5683B5F4-86FD-4BF8-88F1-837F5B70B334}"/>
+              </a:ext>
+              <a:ext uri="{C183D7F6-B498-43B3-948B-1728B52AA6E4}">
+                <adec:decorative xmlns:adec="http://schemas.microsoft.com/office/drawing/2017/decorative" val="1"/>
+              </a:ext>
+            </a:extLst>
+          </p:cNvPr>
+          <p:cNvSpPr>
+            <a:spLocks noGrp="1" noRot="1" noChangeAspect="1" noMove="1" noResize="1" noEditPoints="1" noAdjustHandles="1" noChangeArrowheads="1" noChangeShapeType="1" noTextEdit="1"/>
+          </p:cNvSpPr>
+          <p:nvPr>
+            <p:extLst>
+              <p:ext uri="{386F3935-93C4-4BCD-93E2-E3B085C9AB24}">
+                <p16:designElem xmlns:p16="http://schemas.microsoft.com/office/powerpoint/2015/main" val="1"/>
+              </p:ext>
+            </p:extLst>
+          </p:nvPr>
+        </p:nvSpPr>
+        <p:spPr>
+          <a:xfrm>
+            <a:off x="920834" y="1484779"/>
+            <a:ext cx="10222992" cy="2743200"/>
+          </a:xfrm>
+          <a:prstGeom prst="rect">
+            <a:avLst/>
+          </a:prstGeom>
+          <a:blipFill dpi="0" rotWithShape="1">
+            <a:blip r:embed="rId2">
+              <a:alphaModFix amt="83000"/>
+              <a:lum bright="70000" contrast="-70000"/>
+              <a:extLst>
+                <a:ext uri="{BEBA8EAE-BF5A-486C-A8C5-ECC9F3942E4B}">
+                  <a14:imgProps xmlns:a14="http://schemas.microsoft.com/office/drawing/2010/main">
+                    <a14:imgLayer r:embed="rId3">
+                      <a14:imgEffect>
+                        <a14:sharpenSoften amount="61000"/>
+                      </a14:imgEffect>
+                    </a14:imgLayer>
+                  </a14:imgProps>
+                </a:ext>
+                <a:ext uri="{28A0092B-C50C-407E-A947-70E740481C1C}">
+                  <a14:useLocalDpi xmlns:a14="http://schemas.microsoft.com/office/drawing/2010/main" val="0"/>
+                </a:ext>
+              </a:extLst>
+            </a:blip>
+            <a:srcRect/>
+            <a:tile tx="0" ty="-704850" sx="92000" sy="89000" flip="xy" algn="ctr"/>
+          </a:blipFill>
+          <a:ln>
+            <a:noFill/>
+          </a:ln>
+        </p:spPr>
+        <p:style>
+          <a:lnRef idx="2">
+            <a:schemeClr val="accent1">
+              <a:shade val="50000"/>
+            </a:schemeClr>
+          </a:lnRef>
+          <a:fillRef idx="1">
+            <a:schemeClr val="accent1"/>
+          </a:fillRef>
+          <a:effectRef idx="0">
+            <a:schemeClr val="accent1"/>
+          </a:effectRef>
+          <a:fontRef idx="minor">
+            <a:schemeClr val="lt1"/>
+          </a:fontRef>
+        </p:style>
+      </p:sp>
+      <p:grpSp>
+        <p:nvGrpSpPr>
+          <p:cNvPr id="57" name="Group 61">
+            <a:extLst>
+              <a:ext uri="{FF2B5EF4-FFF2-40B4-BE49-F238E27FC236}">
+                <a16:creationId xmlns:a16="http://schemas.microsoft.com/office/drawing/2014/main" id="{468FD2E2-2BBC-4CE0-8728-F7F04CF3DA80}"/>
+              </a:ext>
+              <a:ext uri="{C183D7F6-B498-43B3-948B-1728B52AA6E4}">
+                <adec:decorative xmlns:adec="http://schemas.microsoft.com/office/drawing/2017/decorative" val="1"/>
+              </a:ext>
+            </a:extLst>
+          </p:cNvPr>
+          <p:cNvGrpSpPr>
+            <a:grpSpLocks noGrp="1" noUngrp="1" noRot="1" noChangeAspect="1" noMove="1" noResize="1"/>
+          </p:cNvGrpSpPr>
+          <p:nvPr>
+            <p:extLst>
+              <p:ext uri="{386F3935-93C4-4BCD-93E2-E3B085C9AB24}">
+                <p16:designElem xmlns:p16="http://schemas.microsoft.com/office/powerpoint/2015/main" val="1"/>
+              </p:ext>
+            </p:extLst>
+          </p:nvPr>
+        </p:nvGrpSpPr>
+        <p:grpSpPr>
+          <a:xfrm>
+            <a:off x="9649215" y="4068923"/>
+            <a:ext cx="1080904" cy="1080902"/>
+            <a:chOff x="9685338" y="4460675"/>
+            <a:chExt cx="1080904" cy="1080902"/>
+          </a:xfrm>
+        </p:grpSpPr>
+        <p:sp>
+          <p:nvSpPr>
+            <p:cNvPr id="63" name="Oval 62">
+              <a:extLst>
+                <a:ext uri="{FF2B5EF4-FFF2-40B4-BE49-F238E27FC236}">
+                  <a16:creationId xmlns:a16="http://schemas.microsoft.com/office/drawing/2014/main" id="{DFDB4C9A-B334-4F22-B77C-0ABDFA489FB9}"/>
+                </a:ext>
+                <a:ext uri="{C183D7F6-B498-43B3-948B-1728B52AA6E4}">
+                  <adec:decorative xmlns:adec="http://schemas.microsoft.com/office/drawing/2017/decorative" val="1"/>
+                </a:ext>
+              </a:extLst>
+            </p:cNvPr>
+            <p:cNvSpPr/>
+            <p:nvPr>
+              <p:extLst>
+                <p:ext uri="{386F3935-93C4-4BCD-93E2-E3B085C9AB24}">
+                  <p16:designElem xmlns:p16="http://schemas.microsoft.com/office/powerpoint/2015/main" val="1"/>
+                </p:ext>
+              </p:extLst>
+            </p:nvPr>
+          </p:nvSpPr>
+          <p:spPr>
+            <a:xfrm>
+              <a:off x="9685338" y="4460675"/>
+              <a:ext cx="1080904" cy="1080902"/>
+            </a:xfrm>
+            <a:prstGeom prst="ellipse">
+              <a:avLst/>
+            </a:prstGeom>
+            <a:blipFill dpi="0" rotWithShape="1">
+              <a:blip r:embed="rId4">
+                <a:duotone>
+                  <a:schemeClr val="accent1">
+                    <a:shade val="45000"/>
+                    <a:satMod val="135000"/>
+                  </a:schemeClr>
+                  <a:prstClr val="white"/>
+                </a:duotone>
+                <a:extLst>
+                  <a:ext uri="{BEBA8EAE-BF5A-486C-A8C5-ECC9F3942E4B}">
+                    <a14:imgProps xmlns:a14="http://schemas.microsoft.com/office/drawing/2010/main">
+                      <a14:imgLayer r:embed="rId5">
+                        <a14:imgEffect>
+                          <a14:saturation sat="95000"/>
+                        </a14:imgEffect>
+                      </a14:imgLayer>
+                    </a14:imgProps>
+                  </a:ext>
+                </a:extLst>
+              </a:blip>
+              <a:srcRect/>
+              <a:tile tx="0" ty="0" sx="85000" sy="85000" flip="none" algn="tl"/>
+            </a:blipFill>
+            <a:ln w="25400" cap="flat" cmpd="sng" algn="ctr">
+              <a:noFill/>
+              <a:prstDash val="solid"/>
+            </a:ln>
+            <a:effectLst/>
+          </p:spPr>
+        </p:sp>
+        <p:sp>
+          <p:nvSpPr>
+            <p:cNvPr id="64" name="Oval 63">
+              <a:extLst>
+                <a:ext uri="{FF2B5EF4-FFF2-40B4-BE49-F238E27FC236}">
+                  <a16:creationId xmlns:a16="http://schemas.microsoft.com/office/drawing/2014/main" id="{20B25D87-B509-4BDD-8E23-850E1C3903D8}"/>
+                </a:ext>
+                <a:ext uri="{C183D7F6-B498-43B3-948B-1728B52AA6E4}">
+                  <adec:decorative xmlns:adec="http://schemas.microsoft.com/office/drawing/2017/decorative" val="1"/>
+                </a:ext>
+              </a:extLst>
+            </p:cNvPr>
+            <p:cNvSpPr/>
+            <p:nvPr>
+              <p:extLst>
+                <p:ext uri="{386F3935-93C4-4BCD-93E2-E3B085C9AB24}">
+                  <p16:designElem xmlns:p16="http://schemas.microsoft.com/office/powerpoint/2015/main" val="1"/>
+                </p:ext>
+              </p:extLst>
+            </p:nvPr>
+          </p:nvSpPr>
+          <p:spPr>
+            <a:xfrm>
+              <a:off x="9793429" y="4568765"/>
+              <a:ext cx="864723" cy="864722"/>
+            </a:xfrm>
+            <a:prstGeom prst="ellipse">
+              <a:avLst/>
+            </a:prstGeom>
+            <a:noFill/>
+            <a:ln w="25400" cap="flat" cmpd="sng" algn="ctr">
+              <a:solidFill>
+                <a:sysClr val="window" lastClr="FFFFFF"/>
+              </a:solidFill>
+              <a:prstDash val="solid"/>
+            </a:ln>
+            <a:effectLst/>
+          </p:spPr>
+        </p:sp>
+      </p:grpSp>
+      <p:sp>
+        <p:nvSpPr>
+          <p:cNvPr id="59" name="Rectangle 65">
+            <a:extLst>
+              <a:ext uri="{FF2B5EF4-FFF2-40B4-BE49-F238E27FC236}">
+                <a16:creationId xmlns:a16="http://schemas.microsoft.com/office/drawing/2014/main" id="{7E948281-0364-4C04-A841-BD36C17BC13C}"/>
+              </a:ext>
+              <a:ext uri="{C183D7F6-B498-43B3-948B-1728B52AA6E4}">
+                <adec:decorative xmlns:adec="http://schemas.microsoft.com/office/drawing/2017/decorative" val="1"/>
+              </a:ext>
+            </a:extLst>
+          </p:cNvPr>
+          <p:cNvSpPr>
+            <a:spLocks noGrp="1" noRot="1" noChangeAspect="1" noMove="1" noResize="1" noEditPoints="1" noAdjustHandles="1" noChangeArrowheads="1" noChangeShapeType="1" noTextEdit="1"/>
+          </p:cNvSpPr>
+          <p:nvPr>
+            <p:extLst>
+              <p:ext uri="{386F3935-93C4-4BCD-93E2-E3B085C9AB24}">
+                <p16:designElem xmlns:p16="http://schemas.microsoft.com/office/powerpoint/2015/main" val="1"/>
+              </p:ext>
+            </p:extLst>
+          </p:nvPr>
+        </p:nvSpPr>
+        <p:spPr bwMode="white">
+          <a:xfrm>
+            <a:off x="-7620" y="-1"/>
+            <a:ext cx="12207240" cy="6858001"/>
+          </a:xfrm>
+          <a:prstGeom prst="rect">
+            <a:avLst/>
+          </a:prstGeom>
+          <a:solidFill>
+            <a:schemeClr val="bg1"/>
+          </a:solidFill>
+          <a:ln>
+            <a:noFill/>
+          </a:ln>
+        </p:spPr>
+        <p:style>
+          <a:lnRef idx="2">
+            <a:schemeClr val="accent1">
+              <a:shade val="50000"/>
+            </a:schemeClr>
+          </a:lnRef>
+          <a:fillRef idx="1">
+            <a:schemeClr val="accent1"/>
+          </a:fillRef>
+          <a:effectRef idx="0">
+            <a:schemeClr val="accent1"/>
+          </a:effectRef>
+          <a:fontRef idx="minor">
+            <a:schemeClr val="lt1"/>
+          </a:fontRef>
+        </p:style>
+        <p:txBody>
+          <a:bodyPr rot="0" spcFirstLastPara="0" vert="horz" wrap="square" lIns="91440" tIns="45720" rIns="91440" bIns="45720" numCol="1" spcCol="0" rtlCol="0" fromWordArt="0" anchor="ctr" anchorCtr="0" forceAA="0" compatLnSpc="1">
+            <a:prstTxWarp prst="textNoShape">
+              <a:avLst/>
+            </a:prstTxWarp>
+            <a:noAutofit/>
+          </a:bodyPr>
+          <a:lstStyle>
+            <a:defPPr>
+              <a:defRPr lang="en-US"/>
+            </a:defPPr>
+            <a:lvl1pPr marL="0" algn="l" defTabSz="914400" rtl="0" eaLnBrk="1" latinLnBrk="0" hangingPunct="1">
+              <a:defRPr sz="1800" kern="1200">
+                <a:solidFill>
+                  <a:schemeClr val="lt1"/>
+                </a:solidFill>
+                <a:latin typeface="+mn-lt"/>
+                <a:ea typeface="+mn-ea"/>
+                <a:cs typeface="+mn-cs"/>
+              </a:defRPr>
+            </a:lvl1pPr>
+            <a:lvl2pPr marL="457200" algn="l" defTabSz="914400" rtl="0" eaLnBrk="1" latinLnBrk="0" hangingPunct="1">
+              <a:defRPr sz="1800" kern="1200">
+                <a:solidFill>
+                  <a:schemeClr val="lt1"/>
+                </a:solidFill>
+                <a:latin typeface="+mn-lt"/>
+                <a:ea typeface="+mn-ea"/>
+                <a:cs typeface="+mn-cs"/>
+              </a:defRPr>
+            </a:lvl2pPr>
+            <a:lvl3pPr marL="914400" algn="l" defTabSz="914400" rtl="0" eaLnBrk="1" latinLnBrk="0" hangingPunct="1">
+              <a:defRPr sz="1800" kern="1200">
+                <a:solidFill>
+                  <a:schemeClr val="lt1"/>
+                </a:solidFill>
+                <a:latin typeface="+mn-lt"/>
+                <a:ea typeface="+mn-ea"/>
+                <a:cs typeface="+mn-cs"/>
+              </a:defRPr>
+            </a:lvl3pPr>
+            <a:lvl4pPr marL="1371600" algn="l" defTabSz="914400" rtl="0" eaLnBrk="1" latinLnBrk="0" hangingPunct="1">
+              <a:defRPr sz="1800" kern="1200">
+                <a:solidFill>
+                  <a:schemeClr val="lt1"/>
+                </a:solidFill>
+                <a:latin typeface="+mn-lt"/>
+                <a:ea typeface="+mn-ea"/>
+                <a:cs typeface="+mn-cs"/>
+              </a:defRPr>
+            </a:lvl4pPr>
+            <a:lvl5pPr marL="1828800" algn="l" defTabSz="914400" rtl="0" eaLnBrk="1" latinLnBrk="0" hangingPunct="1">
+              <a:defRPr sz="1800" kern="1200">
+                <a:solidFill>
+                  <a:schemeClr val="lt1"/>
+                </a:solidFill>
+                <a:latin typeface="+mn-lt"/>
+                <a:ea typeface="+mn-ea"/>
+                <a:cs typeface="+mn-cs"/>
+              </a:defRPr>
+            </a:lvl5pPr>
+            <a:lvl6pPr marL="2286000" algn="l" defTabSz="914400" rtl="0" eaLnBrk="1" latinLnBrk="0" hangingPunct="1">
+              <a:defRPr sz="1800" kern="1200">
+                <a:solidFill>
+                  <a:schemeClr val="lt1"/>
+                </a:solidFill>
+                <a:latin typeface="+mn-lt"/>
+                <a:ea typeface="+mn-ea"/>
+                <a:cs typeface="+mn-cs"/>
+              </a:defRPr>
+            </a:lvl6pPr>
+            <a:lvl7pPr marL="2743200" algn="l" defTabSz="914400" rtl="0" eaLnBrk="1" latinLnBrk="0" hangingPunct="1">
+              <a:defRPr sz="1800" kern="1200">
+                <a:solidFill>
+                  <a:schemeClr val="lt1"/>
+                </a:solidFill>
+                <a:latin typeface="+mn-lt"/>
+                <a:ea typeface="+mn-ea"/>
+                <a:cs typeface="+mn-cs"/>
+              </a:defRPr>
+            </a:lvl7pPr>
+            <a:lvl8pPr marL="3200400" algn="l" defTabSz="914400" rtl="0" eaLnBrk="1" latinLnBrk="0" hangingPunct="1">
+              <a:defRPr sz="1800" kern="1200">
+                <a:solidFill>
+                  <a:schemeClr val="lt1"/>
+                </a:solidFill>
+                <a:latin typeface="+mn-lt"/>
+                <a:ea typeface="+mn-ea"/>
+                <a:cs typeface="+mn-cs"/>
+              </a:defRPr>
+            </a:lvl8pPr>
+            <a:lvl9pPr marL="3657600" algn="l" defTabSz="914400" rtl="0" eaLnBrk="1" latinLnBrk="0" hangingPunct="1">
+              <a:defRPr sz="1800" kern="1200">
+                <a:solidFill>
+                  <a:schemeClr val="lt1"/>
+                </a:solidFill>
+                <a:latin typeface="+mn-lt"/>
+                <a:ea typeface="+mn-ea"/>
+                <a:cs typeface="+mn-cs"/>
+              </a:defRPr>
+            </a:lvl9pPr>
+          </a:lstStyle>
+          <a:p>
+            <a:pPr algn="ctr"/>
+            <a:endParaRPr lang="en-US"/>
+          </a:p>
+        </p:txBody>
+      </p:sp>
+      <p:pic>
+        <p:nvPicPr>
+          <p:cNvPr id="17" name="Picture 16" descr="Spinning turntable and bokeh">
+            <a:extLst>
+              <a:ext uri="{FF2B5EF4-FFF2-40B4-BE49-F238E27FC236}">
+                <a16:creationId xmlns:a16="http://schemas.microsoft.com/office/drawing/2014/main" id="{BA9BF686-285D-46DD-9AB4-617FF85178BA}"/>
+              </a:ext>
+            </a:extLst>
+          </p:cNvPr>
+          <p:cNvPicPr>
+            <a:picLocks noChangeAspect="1"/>
+          </p:cNvPicPr>
+          <p:nvPr/>
+        </p:nvPicPr>
+        <p:blipFill rotWithShape="1">
+          <a:blip r:embed="rId6"/>
+          <a:srcRect l="3287" t="23073" r="5429" b="1"/>
+          <a:stretch/>
+        </p:blipFill>
+        <p:spPr>
+          <a:xfrm>
+            <a:off x="20" y="10"/>
+            <a:ext cx="12191980" cy="6857989"/>
+          </a:xfrm>
+          <a:prstGeom prst="rect">
+            <a:avLst/>
+          </a:prstGeom>
+        </p:spPr>
+      </p:pic>
+      <p:sp>
+        <p:nvSpPr>
+          <p:cNvPr id="61" name="Rectangle 67">
+            <a:extLst>
+              <a:ext uri="{FF2B5EF4-FFF2-40B4-BE49-F238E27FC236}">
+                <a16:creationId xmlns:a16="http://schemas.microsoft.com/office/drawing/2014/main" id="{3A78FA00-76B8-49BE-B95D-2772712D4B7B}"/>
+              </a:ext>
+              <a:ext uri="{C183D7F6-B498-43B3-948B-1728B52AA6E4}">
+                <adec:decorative xmlns:adec="http://schemas.microsoft.com/office/drawing/2017/decorative" val="1"/>
+              </a:ext>
+            </a:extLst>
+          </p:cNvPr>
+          <p:cNvSpPr>
+            <a:spLocks noGrp="1" noRot="1" noChangeAspect="1" noMove="1" noResize="1" noEditPoints="1" noAdjustHandles="1" noChangeArrowheads="1" noChangeShapeType="1" noTextEdit="1"/>
+          </p:cNvSpPr>
+          <p:nvPr>
+            <p:extLst>
+              <p:ext uri="{386F3935-93C4-4BCD-93E2-E3B085C9AB24}">
+                <p16:designElem xmlns:p16="http://schemas.microsoft.com/office/powerpoint/2015/main" val="1"/>
+              </p:ext>
+            </p:extLst>
+          </p:nvPr>
+        </p:nvSpPr>
+        <p:spPr>
+          <a:xfrm>
+            <a:off x="0" y="4257366"/>
+            <a:ext cx="12192000" cy="2610465"/>
+          </a:xfrm>
+          <a:prstGeom prst="rect">
+            <a:avLst/>
+          </a:prstGeom>
+          <a:blipFill dpi="0" rotWithShape="1">
+            <a:blip r:embed="rId2">
+              <a:alphaModFix amt="85000"/>
+              <a:lum bright="70000" contrast="-70000"/>
+              <a:extLst>
+                <a:ext uri="{BEBA8EAE-BF5A-486C-A8C5-ECC9F3942E4B}">
+                  <a14:imgProps xmlns:a14="http://schemas.microsoft.com/office/drawing/2010/main">
+                    <a14:imgLayer r:embed="rId3">
+                      <a14:imgEffect>
+                        <a14:sharpenSoften amount="61000"/>
+                      </a14:imgEffect>
+                    </a14:imgLayer>
+                  </a14:imgProps>
+                </a:ext>
+                <a:ext uri="{28A0092B-C50C-407E-A947-70E740481C1C}">
+                  <a14:useLocalDpi xmlns:a14="http://schemas.microsoft.com/office/drawing/2010/main" val="0"/>
+                </a:ext>
+              </a:extLst>
+            </a:blip>
+            <a:srcRect/>
+            <a:tile tx="0" ty="-704850" sx="92000" sy="89000" flip="xy" algn="ctr"/>
+          </a:blipFill>
+          <a:ln>
+            <a:noFill/>
+          </a:ln>
+        </p:spPr>
+        <p:style>
+          <a:lnRef idx="2">
+            <a:schemeClr val="accent1">
+              <a:shade val="50000"/>
+            </a:schemeClr>
+          </a:lnRef>
+          <a:fillRef idx="1">
+            <a:schemeClr val="accent1"/>
+          </a:fillRef>
+          <a:effectRef idx="0">
+            <a:schemeClr val="accent1"/>
+          </a:effectRef>
+          <a:fontRef idx="minor">
+            <a:schemeClr val="lt1"/>
+          </a:fontRef>
+        </p:style>
+        <p:txBody>
+          <a:bodyPr rtlCol="0" anchor="ctr"/>
+          <a:lstStyle/>
+          <a:p>
+            <a:pPr algn="ctr"/>
+            <a:endParaRPr lang="en-US"/>
+          </a:p>
+        </p:txBody>
+      </p:sp>
+      <p:sp>
+        <p:nvSpPr>
+          <p:cNvPr id="4" name="כותרת 1">
+            <a:extLst>
+              <a:ext uri="{FF2B5EF4-FFF2-40B4-BE49-F238E27FC236}">
+                <a16:creationId xmlns:a16="http://schemas.microsoft.com/office/drawing/2014/main" id="{466726CE-0FF3-498F-857B-684F83DAC306}"/>
+              </a:ext>
+            </a:extLst>
+          </p:cNvPr>
+          <p:cNvSpPr txBox="1">
+            <a:spLocks/>
+          </p:cNvSpPr>
+          <p:nvPr/>
+        </p:nvSpPr>
+        <p:spPr>
+          <a:xfrm>
+            <a:off x="1051560" y="4355692"/>
+            <a:ext cx="9085940" cy="1472224"/>
+          </a:xfrm>
+          <a:prstGeom prst="rect">
+            <a:avLst/>
+          </a:prstGeom>
+        </p:spPr>
+        <p:txBody>
+          <a:bodyPr vert="horz" lIns="91440" tIns="45720" rIns="91440" bIns="45720" rtlCol="0" anchor="b">
+            <a:normAutofit/>
+          </a:bodyPr>
+          <a:lstStyle>
+            <a:lvl1pPr algn="l" defTabSz="914400" rtl="0" eaLnBrk="1" latinLnBrk="0" hangingPunct="1">
+              <a:lnSpc>
+                <a:spcPct val="90000"/>
+              </a:lnSpc>
+              <a:spcBef>
+                <a:spcPct val="0"/>
+              </a:spcBef>
+              <a:buNone/>
+              <a:defRPr sz="4800" b="1" kern="1200" cap="none" baseline="0">
+                <a:blipFill>
+                  <a:blip r:embed="rId4">
+                    <a:extLst>
+                      <a:ext uri="{28A0092B-C50C-407E-A947-70E740481C1C}">
+                        <a14:useLocalDpi xmlns:a14="http://schemas.microsoft.com/office/drawing/2010/main" val="0"/>
+                      </a:ext>
+                    </a:extLst>
+                  </a:blip>
+                  <a:tile tx="6350" ty="-127000" sx="65000" sy="64000" flip="none" algn="tl"/>
+                </a:blipFill>
+                <a:latin typeface="+mj-lt"/>
+                <a:ea typeface="+mj-ea"/>
+                <a:cs typeface="+mj-cs"/>
+              </a:defRPr>
+            </a:lvl1pPr>
+          </a:lstStyle>
+          <a:p>
+            <a:pPr>
+              <a:lnSpc>
+                <a:spcPct val="85000"/>
+              </a:lnSpc>
+            </a:pPr>
+            <a:r>
+              <a:rPr lang="en-US" sz="5700" b="1" kern="1200" cap="none" baseline="0">
+                <a:blipFill dpi="0" rotWithShape="1">
+                  <a:blip r:embed="rId4"/>
+                  <a:srcRect/>
+                  <a:tile tx="6350" ty="-127000" sx="65000" sy="64000" flip="none" algn="tl"/>
+                </a:blipFill>
+                <a:latin typeface="+mj-lt"/>
+                <a:ea typeface="+mj-ea"/>
+                <a:cs typeface="+mj-cs"/>
+              </a:rPr>
+              <a:t>Thank you for listening</a:t>
+            </a:r>
+          </a:p>
+          <a:p>
+            <a:pPr>
+              <a:lnSpc>
+                <a:spcPct val="85000"/>
+              </a:lnSpc>
+              <a:spcAft>
+                <a:spcPts val="600"/>
+              </a:spcAft>
+            </a:pPr>
+            <a:endParaRPr lang="en-US" sz="5700" b="1" kern="1200" cap="none" baseline="0">
+              <a:blipFill dpi="0" rotWithShape="1">
+                <a:blip r:embed="rId4"/>
+                <a:srcRect/>
+                <a:tile tx="6350" ty="-127000" sx="65000" sy="64000" flip="none" algn="tl"/>
+              </a:blipFill>
+              <a:latin typeface="+mj-lt"/>
+              <a:ea typeface="+mj-ea"/>
+              <a:cs typeface="+mj-cs"/>
+            </a:endParaRPr>
+          </a:p>
+        </p:txBody>
+      </p:sp>
+      <p:grpSp>
+        <p:nvGrpSpPr>
+          <p:cNvPr id="65" name="Group 69">
+            <a:extLst>
+              <a:ext uri="{FF2B5EF4-FFF2-40B4-BE49-F238E27FC236}">
+                <a16:creationId xmlns:a16="http://schemas.microsoft.com/office/drawing/2014/main" id="{1FD7541F-6ED3-4558-838A-A55FF8D6DC0D}"/>
+              </a:ext>
+              <a:ext uri="{C183D7F6-B498-43B3-948B-1728B52AA6E4}">
+                <adec:decorative xmlns:adec="http://schemas.microsoft.com/office/drawing/2017/decorative" val="1"/>
+              </a:ext>
+            </a:extLst>
+          </p:cNvPr>
+          <p:cNvGrpSpPr>
+            <a:grpSpLocks noGrp="1" noUngrp="1" noRot="1" noChangeAspect="1" noMove="1" noResize="1"/>
+          </p:cNvGrpSpPr>
+          <p:nvPr>
+            <p:extLst>
+              <p:ext uri="{386F3935-93C4-4BCD-93E2-E3B085C9AB24}">
+                <p16:designElem xmlns:p16="http://schemas.microsoft.com/office/powerpoint/2015/main" val="1"/>
+              </p:ext>
+            </p:extLst>
+          </p:nvPr>
+        </p:nvGrpSpPr>
+        <p:grpSpPr>
+          <a:xfrm>
+            <a:off x="10245590" y="5111496"/>
+            <a:ext cx="1080904" cy="1080902"/>
+            <a:chOff x="9685338" y="4460675"/>
+            <a:chExt cx="1080904" cy="1080902"/>
+          </a:xfrm>
+        </p:grpSpPr>
+        <p:sp>
+          <p:nvSpPr>
+            <p:cNvPr id="71" name="Oval 70">
+              <a:extLst>
+                <a:ext uri="{FF2B5EF4-FFF2-40B4-BE49-F238E27FC236}">
+                  <a16:creationId xmlns:a16="http://schemas.microsoft.com/office/drawing/2014/main" id="{9D455E42-2035-4EF5-A199-924E5FECE721}"/>
+                </a:ext>
+                <a:ext uri="{C183D7F6-B498-43B3-948B-1728B52AA6E4}">
+                  <adec:decorative xmlns:adec="http://schemas.microsoft.com/office/drawing/2017/decorative" val="1"/>
+                </a:ext>
+              </a:extLst>
+            </p:cNvPr>
+            <p:cNvSpPr/>
+            <p:nvPr>
+              <p:extLst>
+                <p:ext uri="{386F3935-93C4-4BCD-93E2-E3B085C9AB24}">
+                  <p16:designElem xmlns:p16="http://schemas.microsoft.com/office/powerpoint/2015/main" val="1"/>
+                </p:ext>
+              </p:extLst>
+            </p:nvPr>
+          </p:nvSpPr>
+          <p:spPr>
+            <a:xfrm>
+              <a:off x="9685338" y="4460675"/>
+              <a:ext cx="1080904" cy="1080902"/>
+            </a:xfrm>
+            <a:prstGeom prst="ellipse">
+              <a:avLst/>
+            </a:prstGeom>
+            <a:blipFill dpi="0" rotWithShape="1">
+              <a:blip r:embed="rId4">
+                <a:duotone>
+                  <a:schemeClr val="accent1">
+                    <a:shade val="45000"/>
+                    <a:satMod val="135000"/>
+                  </a:schemeClr>
+                  <a:prstClr val="white"/>
+                </a:duotone>
+              </a:blip>
+              <a:srcRect/>
+              <a:tile tx="0" ty="0" sx="85000" sy="85000" flip="none" algn="tl"/>
+            </a:blipFill>
+            <a:ln w="25400" cap="flat" cmpd="sng" algn="ctr">
+              <a:noFill/>
+              <a:prstDash val="solid"/>
+            </a:ln>
+            <a:effectLst/>
+          </p:spPr>
+          <p:txBody>
+            <a:bodyPr lIns="0" tIns="0" rIns="0" bIns="0" rtlCol="0" anchor="ctr"/>
+            <a:lstStyle/>
+            <a:p>
+              <a:pPr marL="0" marR="0" lvl="0" indent="0" algn="ctr" defTabSz="914400" eaLnBrk="1" fontAlgn="auto" latinLnBrk="0" hangingPunct="1">
+                <a:lnSpc>
+                  <a:spcPct val="100000"/>
+                </a:lnSpc>
+                <a:spcBef>
+                  <a:spcPts val="0"/>
+                </a:spcBef>
+                <a:spcAft>
+                  <a:spcPts val="0"/>
+                </a:spcAft>
+                <a:buClrTx/>
+                <a:buSzTx/>
+                <a:buFontTx/>
+                <a:buNone/>
+                <a:tabLst/>
+                <a:defRPr/>
+              </a:pPr>
+              <a:endParaRPr kumimoji="0" lang="en-US" sz="2000" b="0" i="0" u="none" strike="noStrike" kern="0" cap="none" spc="0" normalizeH="0" baseline="0" noProof="0" dirty="0">
+                <a:ln>
+                  <a:noFill/>
+                </a:ln>
+                <a:solidFill>
+                  <a:prstClr val="white"/>
+                </a:solidFill>
+                <a:effectLst/>
+                <a:uLnTx/>
+                <a:uFillTx/>
+                <a:latin typeface="Rockwell Extra Bold" pitchFamily="18" charset="0"/>
+                <a:ea typeface="+mn-ea"/>
+                <a:cs typeface="+mn-cs"/>
+              </a:endParaRPr>
+            </a:p>
+          </p:txBody>
+        </p:sp>
+        <p:sp>
+          <p:nvSpPr>
+            <p:cNvPr id="72" name="Oval 71">
+              <a:extLst>
+                <a:ext uri="{FF2B5EF4-FFF2-40B4-BE49-F238E27FC236}">
+                  <a16:creationId xmlns:a16="http://schemas.microsoft.com/office/drawing/2014/main" id="{8C02769F-4749-4B97-974D-6A8E70F2C280}"/>
+                </a:ext>
+                <a:ext uri="{C183D7F6-B498-43B3-948B-1728B52AA6E4}">
+                  <adec:decorative xmlns:adec="http://schemas.microsoft.com/office/drawing/2017/decorative" val="1"/>
+                </a:ext>
+              </a:extLst>
+            </p:cNvPr>
+            <p:cNvSpPr/>
+            <p:nvPr>
+              <p:extLst>
+                <p:ext uri="{386F3935-93C4-4BCD-93E2-E3B085C9AB24}">
+                  <p16:designElem xmlns:p16="http://schemas.microsoft.com/office/powerpoint/2015/main" val="1"/>
+                </p:ext>
+              </p:extLst>
+            </p:nvPr>
+          </p:nvSpPr>
+          <p:spPr>
+            <a:xfrm>
+              <a:off x="9793429" y="4568765"/>
+              <a:ext cx="864723" cy="864722"/>
+            </a:xfrm>
+            <a:prstGeom prst="ellipse">
+              <a:avLst/>
+            </a:prstGeom>
+            <a:noFill/>
+            <a:ln w="25400" cap="flat" cmpd="sng" algn="ctr">
+              <a:solidFill>
+                <a:sysClr val="window" lastClr="FFFFFF"/>
+              </a:solidFill>
+              <a:prstDash val="solid"/>
+            </a:ln>
+            <a:effectLst/>
+          </p:spPr>
+          <p:txBody>
+            <a:bodyPr rtlCol="0" anchor="ctr"/>
+            <a:lstStyle/>
+            <a:p>
+              <a:pPr marL="0" marR="0" lvl="0" indent="0" algn="ctr" defTabSz="914400" eaLnBrk="1" fontAlgn="auto" latinLnBrk="0" hangingPunct="1">
+                <a:lnSpc>
+                  <a:spcPct val="100000"/>
+                </a:lnSpc>
+                <a:spcBef>
+                  <a:spcPts val="0"/>
+                </a:spcBef>
+                <a:spcAft>
+                  <a:spcPts val="0"/>
+                </a:spcAft>
+                <a:buClrTx/>
+                <a:buSzTx/>
+                <a:buFontTx/>
+                <a:buNone/>
+                <a:tabLst/>
+                <a:defRPr/>
+              </a:pPr>
+              <a:endParaRPr kumimoji="0" lang="en-US" sz="1800" b="0" i="0" u="none" strike="noStrike" kern="0" cap="none" spc="0" normalizeH="0" baseline="0" noProof="0" dirty="0">
+                <a:ln>
+                  <a:noFill/>
+                </a:ln>
+                <a:solidFill>
+                  <a:prstClr val="white"/>
+                </a:solidFill>
+                <a:effectLst/>
+                <a:uLnTx/>
+                <a:uFillTx/>
+                <a:latin typeface="Calibri"/>
+                <a:ea typeface="+mn-ea"/>
+                <a:cs typeface="+mn-cs"/>
+              </a:endParaRPr>
+            </a:p>
+          </p:txBody>
+        </p:sp>
+      </p:grpSp>
+    </p:spTree>
+    <p:extLst>
+      <p:ext uri="{BB962C8B-B14F-4D97-AF65-F5344CB8AC3E}">
+        <p14:creationId xmlns:p14="http://schemas.microsoft.com/office/powerpoint/2010/main" val="1961500311"/>
       </p:ext>
     </p:extLst>
   </p:cSld>
